--- a/Documents/Презентация 2.pptx
+++ b/Documents/Презентация 2.pptx
@@ -207,7 +207,7 @@
           <a:p>
             <a:fld id="{FE52D041-E265-4000-837B-807C1E0CC37D}" type="datetimeFigureOut">
               <a:rPr lang="ru-RU" smtClean="0"/>
-              <a:t>06.06.2020</a:t>
+              <a:t>08.06.2020</a:t>
             </a:fld>
             <a:endParaRPr lang="ru-RU"/>
           </a:p>
@@ -690,7 +690,7 @@
           <a:p>
             <a:fld id="{72CCA9E0-D141-4422-9667-BA9D5C8E468E}" type="datetime1">
               <a:rPr lang="ru-RU" smtClean="0"/>
-              <a:t>06.06.2020</a:t>
+              <a:t>08.06.2020</a:t>
             </a:fld>
             <a:endParaRPr lang="ru-RU"/>
           </a:p>
@@ -860,7 +860,7 @@
           <a:p>
             <a:fld id="{E4DB9DE4-C328-463C-AE37-155F94294065}" type="datetime1">
               <a:rPr lang="ru-RU" smtClean="0"/>
-              <a:t>06.06.2020</a:t>
+              <a:t>08.06.2020</a:t>
             </a:fld>
             <a:endParaRPr lang="ru-RU"/>
           </a:p>
@@ -1040,7 +1040,7 @@
           <a:p>
             <a:fld id="{00202320-8787-4AD5-9076-31484C5D764A}" type="datetime1">
               <a:rPr lang="ru-RU" smtClean="0"/>
-              <a:t>06.06.2020</a:t>
+              <a:t>08.06.2020</a:t>
             </a:fld>
             <a:endParaRPr lang="ru-RU"/>
           </a:p>
@@ -1210,7 +1210,7 @@
           <a:p>
             <a:fld id="{E520D973-598C-4AD3-9E72-13CFBF5E2C27}" type="datetime1">
               <a:rPr lang="ru-RU" smtClean="0"/>
-              <a:t>06.06.2020</a:t>
+              <a:t>08.06.2020</a:t>
             </a:fld>
             <a:endParaRPr lang="ru-RU"/>
           </a:p>
@@ -1456,7 +1456,7 @@
           <a:p>
             <a:fld id="{C39D54CD-4ED7-45B2-96BA-2945A1FDA2B8}" type="datetime1">
               <a:rPr lang="ru-RU" smtClean="0"/>
-              <a:t>06.06.2020</a:t>
+              <a:t>08.06.2020</a:t>
             </a:fld>
             <a:endParaRPr lang="ru-RU"/>
           </a:p>
@@ -1688,7 +1688,7 @@
           <a:p>
             <a:fld id="{A2E0354A-5B18-4696-B66F-9655AFD2ACFD}" type="datetime1">
               <a:rPr lang="ru-RU" smtClean="0"/>
-              <a:t>06.06.2020</a:t>
+              <a:t>08.06.2020</a:t>
             </a:fld>
             <a:endParaRPr lang="ru-RU"/>
           </a:p>
@@ -2055,7 +2055,7 @@
           <a:p>
             <a:fld id="{02D2DAEA-5F86-4BD1-B447-2BE7CAEC1B0F}" type="datetime1">
               <a:rPr lang="ru-RU" smtClean="0"/>
-              <a:t>06.06.2020</a:t>
+              <a:t>08.06.2020</a:t>
             </a:fld>
             <a:endParaRPr lang="ru-RU"/>
           </a:p>
@@ -2173,7 +2173,7 @@
           <a:p>
             <a:fld id="{532137B3-656D-4D37-ADDE-58F2117DA217}" type="datetime1">
               <a:rPr lang="ru-RU" smtClean="0"/>
-              <a:t>06.06.2020</a:t>
+              <a:t>08.06.2020</a:t>
             </a:fld>
             <a:endParaRPr lang="ru-RU"/>
           </a:p>
@@ -2268,7 +2268,7 @@
           <a:p>
             <a:fld id="{03A311F5-10D0-4644-BF11-82C44AAA8672}" type="datetime1">
               <a:rPr lang="ru-RU" smtClean="0"/>
-              <a:t>06.06.2020</a:t>
+              <a:t>08.06.2020</a:t>
             </a:fld>
             <a:endParaRPr lang="ru-RU"/>
           </a:p>
@@ -2545,7 +2545,7 @@
           <a:p>
             <a:fld id="{643A4841-03CD-4AB7-BF59-48E2C4517815}" type="datetime1">
               <a:rPr lang="ru-RU" smtClean="0"/>
-              <a:t>06.06.2020</a:t>
+              <a:t>08.06.2020</a:t>
             </a:fld>
             <a:endParaRPr lang="ru-RU"/>
           </a:p>
@@ -2798,7 +2798,7 @@
           <a:p>
             <a:fld id="{8F159315-4EA4-4ABE-BB61-B54571BFA959}" type="datetime1">
               <a:rPr lang="ru-RU" smtClean="0"/>
-              <a:t>06.06.2020</a:t>
+              <a:t>08.06.2020</a:t>
             </a:fld>
             <a:endParaRPr lang="ru-RU"/>
           </a:p>
@@ -3011,7 +3011,7 @@
           <a:p>
             <a:fld id="{FF5A7E71-1FEA-4B6F-A635-769C4A623337}" type="datetime1">
               <a:rPr lang="ru-RU" smtClean="0"/>
-              <a:t>06.06.2020</a:t>
+              <a:t>08.06.2020</a:t>
             </a:fld>
             <a:endParaRPr lang="ru-RU"/>
           </a:p>
@@ -3543,10 +3543,102 @@
           </a:p>
         </p:txBody>
       </p:sp>
+      <p:sp>
+        <p:nvSpPr>
+          <p:cNvPr id="6" name="TextBox 5"/>
+          <p:cNvSpPr txBox="1"/>
+          <p:nvPr/>
+        </p:nvSpPr>
+        <p:spPr>
+          <a:xfrm>
+            <a:off x="8325208" y="1062549"/>
+            <a:ext cx="2921249" cy="461665"/>
+          </a:xfrm>
+          <a:prstGeom prst="rect">
+            <a:avLst/>
+          </a:prstGeom>
+          <a:noFill/>
+        </p:spPr>
+        <p:txBody>
+          <a:bodyPr wrap="none" rtlCol="0">
+            <a:spAutoFit/>
+          </a:bodyPr>
+          <a:lstStyle/>
+          <a:p>
+            <a:r>
+              <a:rPr lang="ru-RU" sz="2400" dirty="0" smtClean="0"/>
+              <a:t>Ситуация «ловушки»</a:t>
+            </a:r>
+            <a:endParaRPr lang="ru-RU" sz="2400" dirty="0"/>
+          </a:p>
+        </p:txBody>
+      </p:sp>
+      <p:sp>
+        <p:nvSpPr>
+          <p:cNvPr id="7" name="Прямоугольник 6"/>
+          <p:cNvSpPr/>
+          <p:nvPr/>
+        </p:nvSpPr>
+        <p:spPr>
+          <a:xfrm>
+            <a:off x="8325208" y="3550648"/>
+            <a:ext cx="3313984" cy="830997"/>
+          </a:xfrm>
+          <a:prstGeom prst="rect">
+            <a:avLst/>
+          </a:prstGeom>
+        </p:spPr>
+        <p:txBody>
+          <a:bodyPr wrap="none">
+            <a:spAutoFit/>
+          </a:bodyPr>
+          <a:lstStyle/>
+          <a:p>
+            <a:pPr algn="ctr"/>
+            <a:r>
+              <a:rPr lang="ru-RU" sz="2400" dirty="0" smtClean="0"/>
+              <a:t>Использование </a:t>
+            </a:r>
+          </a:p>
+          <a:p>
+            <a:pPr algn="ctr"/>
+            <a:r>
+              <a:rPr lang="ru-RU" sz="2400" dirty="0" smtClean="0"/>
+              <a:t>эвристической функции</a:t>
+            </a:r>
+            <a:endParaRPr lang="ru-RU" sz="2400" dirty="0"/>
+          </a:p>
+        </p:txBody>
+      </p:sp>
+      <p:sp>
+        <p:nvSpPr>
+          <p:cNvPr id="3" name="Номер слайда 2"/>
+          <p:cNvSpPr>
+            <a:spLocks noGrp="1"/>
+          </p:cNvSpPr>
+          <p:nvPr>
+            <p:ph type="sldNum" sz="quarter" idx="12"/>
+          </p:nvPr>
+        </p:nvSpPr>
+        <p:spPr/>
+        <p:txBody>
+          <a:bodyPr/>
+          <a:lstStyle/>
+          <a:p>
+            <a:fld id="{B610DD3B-B32C-4B2C-8844-F446DC5AE1DC}" type="slidenum">
+              <a:rPr lang="ru-RU" smtClean="0"/>
+              <a:t>10</a:t>
+            </a:fld>
+            <a:endParaRPr lang="ru-RU"/>
+          </a:p>
+        </p:txBody>
+      </p:sp>
       <p:pic>
         <p:nvPicPr>
-          <p:cNvPr id="4" name="Рисунок 3"/>
-          <p:cNvPicPr/>
+          <p:cNvPr id="9" name="Рисунок 8"/>
+          <p:cNvPicPr>
+            <a:picLocks noChangeAspect="1"/>
+          </p:cNvPicPr>
           <p:nvPr/>
         </p:nvPicPr>
         <p:blipFill>
@@ -3557,8 +3649,8 @@
         </p:blipFill>
         <p:spPr>
           <a:xfrm>
-            <a:off x="266700" y="604153"/>
-            <a:ext cx="8086725" cy="2931931"/>
+            <a:off x="296637" y="1062549"/>
+            <a:ext cx="8028571" cy="1780952"/>
           </a:xfrm>
           <a:prstGeom prst="rect">
             <a:avLst/>
@@ -3567,8 +3659,10 @@
       </p:pic>
       <p:pic>
         <p:nvPicPr>
-          <p:cNvPr id="5" name="Рисунок 4"/>
-          <p:cNvPicPr/>
+          <p:cNvPr id="10" name="Рисунок 9"/>
+          <p:cNvPicPr>
+            <a:picLocks noChangeAspect="1"/>
+          </p:cNvPicPr>
           <p:nvPr/>
         </p:nvPicPr>
         <p:blipFill>
@@ -3579,8 +3673,8 @@
         </p:blipFill>
         <p:spPr>
           <a:xfrm>
-            <a:off x="266700" y="3709303"/>
-            <a:ext cx="8086725" cy="2931931"/>
+            <a:off x="296637" y="3550648"/>
+            <a:ext cx="7990476" cy="1780952"/>
           </a:xfrm>
           <a:prstGeom prst="rect">
             <a:avLst/>
@@ -3589,14 +3683,14 @@
       </p:pic>
       <p:sp>
         <p:nvSpPr>
-          <p:cNvPr id="6" name="TextBox 5"/>
+          <p:cNvPr id="11" name="TextBox 10"/>
           <p:cNvSpPr txBox="1"/>
           <p:nvPr/>
         </p:nvSpPr>
         <p:spPr>
           <a:xfrm>
-            <a:off x="8353425" y="1885452"/>
-            <a:ext cx="2921249" cy="461665"/>
+            <a:off x="266700" y="5521146"/>
+            <a:ext cx="6436249" cy="1200329"/>
           </a:xfrm>
           <a:prstGeom prst="rect">
             <a:avLst/>
@@ -3609,46 +3703,103 @@
           </a:bodyPr>
           <a:lstStyle/>
           <a:p>
-            <a:r>
-              <a:rPr lang="ru-RU" sz="2400" dirty="0" smtClean="0"/>
-              <a:t>Ситуация «ловушки»</a:t>
-            </a:r>
-            <a:endParaRPr lang="ru-RU" sz="2400" dirty="0"/>
-          </a:p>
-        </p:txBody>
-      </p:sp>
-      <p:sp>
-        <p:nvSpPr>
-          <p:cNvPr id="7" name="Прямоугольник 6"/>
-          <p:cNvSpPr/>
+            <a:pPr marL="285750" indent="-285750">
+              <a:buFont typeface="Arial" panose="020B0604020202020204" pitchFamily="34" charset="0"/>
+              <a:buChar char="•"/>
+            </a:pPr>
+            <a:r>
+              <a:rPr lang="ru-RU" dirty="0" smtClean="0"/>
+              <a:t>Зеленые ячейки – непроходимые участки ДРП</a:t>
+            </a:r>
+          </a:p>
+          <a:p>
+            <a:pPr marL="285750" indent="-285750">
+              <a:buFont typeface="Arial" panose="020B0604020202020204" pitchFamily="34" charset="0"/>
+              <a:buChar char="•"/>
+            </a:pPr>
+            <a:r>
+              <a:rPr lang="ru-RU" dirty="0" smtClean="0"/>
+              <a:t>Черные ячейки – проходимые участки ДРП</a:t>
+            </a:r>
+          </a:p>
+          <a:p>
+            <a:pPr marL="285750" indent="-285750">
+              <a:buFont typeface="Arial" panose="020B0604020202020204" pitchFamily="34" charset="0"/>
+              <a:buChar char="•"/>
+            </a:pPr>
+            <a:r>
+              <a:rPr lang="ru-RU" dirty="0" smtClean="0"/>
+              <a:t>Красные ячейки – найденный путь</a:t>
+            </a:r>
+          </a:p>
+          <a:p>
+            <a:pPr marL="285750" indent="-285750">
+              <a:buFont typeface="Arial" panose="020B0604020202020204" pitchFamily="34" charset="0"/>
+              <a:buChar char="•"/>
+            </a:pPr>
+            <a:r>
+              <a:rPr lang="ru-RU" dirty="0" smtClean="0"/>
+              <a:t>Цифры в ячейках – номер ячейки, присвоенный алгоритмом</a:t>
+            </a:r>
+            <a:endParaRPr lang="ru-RU" dirty="0"/>
+          </a:p>
+        </p:txBody>
+      </p:sp>
+      <p:sp>
+        <p:nvSpPr>
+          <p:cNvPr id="12" name="TextBox 11"/>
+          <p:cNvSpPr txBox="1"/>
           <p:nvPr/>
         </p:nvSpPr>
         <p:spPr>
           <a:xfrm>
-            <a:off x="8353425" y="4759769"/>
-            <a:ext cx="3313984" cy="830997"/>
+            <a:off x="296637" y="617654"/>
+            <a:ext cx="2303836" cy="461665"/>
           </a:xfrm>
           <a:prstGeom prst="rect">
             <a:avLst/>
           </a:prstGeom>
+          <a:noFill/>
         </p:spPr>
         <p:txBody>
-          <a:bodyPr wrap="none">
+          <a:bodyPr wrap="none" rtlCol="0">
             <a:spAutoFit/>
           </a:bodyPr>
           <a:lstStyle/>
           <a:p>
-            <a:pPr algn="ctr"/>
             <a:r>
               <a:rPr lang="ru-RU" sz="2400" dirty="0" smtClean="0"/>
-              <a:t>Использование </a:t>
-            </a:r>
-          </a:p>
-          <a:p>
-            <a:pPr algn="ctr"/>
+              <a:t>Лучший-первый</a:t>
+            </a:r>
+            <a:endParaRPr lang="ru-RU" sz="2400" dirty="0"/>
+          </a:p>
+        </p:txBody>
+      </p:sp>
+      <p:sp>
+        <p:nvSpPr>
+          <p:cNvPr id="13" name="TextBox 12"/>
+          <p:cNvSpPr txBox="1"/>
+          <p:nvPr/>
+        </p:nvSpPr>
+        <p:spPr>
+          <a:xfrm>
+            <a:off x="4351221" y="606550"/>
+            <a:ext cx="1861087" cy="461665"/>
+          </a:xfrm>
+          <a:prstGeom prst="rect">
+            <a:avLst/>
+          </a:prstGeom>
+          <a:noFill/>
+        </p:spPr>
+        <p:txBody>
+          <a:bodyPr wrap="none" rtlCol="0">
+            <a:spAutoFit/>
+          </a:bodyPr>
+          <a:lstStyle/>
+          <a:p>
             <a:r>
               <a:rPr lang="ru-RU" sz="2400" dirty="0" smtClean="0"/>
-              <a:t>эвристической функции</a:t>
+              <a:t>Алгоритм Ли</a:t>
             </a:r>
             <a:endParaRPr lang="ru-RU" sz="2400" dirty="0"/>
           </a:p>
@@ -3656,24 +3807,61 @@
       </p:sp>
       <p:sp>
         <p:nvSpPr>
-          <p:cNvPr id="3" name="Номер слайда 2"/>
-          <p:cNvSpPr>
-            <a:spLocks noGrp="1"/>
-          </p:cNvSpPr>
-          <p:nvPr>
-            <p:ph type="sldNum" sz="quarter" idx="12"/>
-          </p:nvPr>
-        </p:nvSpPr>
-        <p:spPr/>
-        <p:txBody>
-          <a:bodyPr/>
-          <a:lstStyle/>
-          <a:p>
-            <a:fld id="{B610DD3B-B32C-4B2C-8844-F446DC5AE1DC}" type="slidenum">
-              <a:rPr lang="ru-RU" smtClean="0"/>
-              <a:t>10</a:t>
-            </a:fld>
-            <a:endParaRPr lang="ru-RU"/>
+          <p:cNvPr id="14" name="TextBox 13"/>
+          <p:cNvSpPr txBox="1"/>
+          <p:nvPr/>
+        </p:nvSpPr>
+        <p:spPr>
+          <a:xfrm>
+            <a:off x="296637" y="3069400"/>
+            <a:ext cx="516488" cy="461665"/>
+          </a:xfrm>
+          <a:prstGeom prst="rect">
+            <a:avLst/>
+          </a:prstGeom>
+          <a:noFill/>
+        </p:spPr>
+        <p:txBody>
+          <a:bodyPr wrap="none" rtlCol="0">
+            <a:spAutoFit/>
+          </a:bodyPr>
+          <a:lstStyle/>
+          <a:p>
+            <a:r>
+              <a:rPr lang="en-US" sz="2400" dirty="0" smtClean="0"/>
+              <a:t>A*</a:t>
+            </a:r>
+            <a:endParaRPr lang="ru-RU" sz="2400" dirty="0"/>
+          </a:p>
+        </p:txBody>
+      </p:sp>
+      <p:sp>
+        <p:nvSpPr>
+          <p:cNvPr id="15" name="TextBox 14"/>
+          <p:cNvSpPr txBox="1"/>
+          <p:nvPr/>
+        </p:nvSpPr>
+        <p:spPr>
+          <a:xfrm>
+            <a:off x="4351221" y="3088983"/>
+            <a:ext cx="1861087" cy="461665"/>
+          </a:xfrm>
+          <a:prstGeom prst="rect">
+            <a:avLst/>
+          </a:prstGeom>
+          <a:noFill/>
+        </p:spPr>
+        <p:txBody>
+          <a:bodyPr wrap="none" rtlCol="0">
+            <a:spAutoFit/>
+          </a:bodyPr>
+          <a:lstStyle/>
+          <a:p>
+            <a:r>
+              <a:rPr lang="ru-RU" sz="2400" dirty="0" smtClean="0"/>
+              <a:t>Алгоритм Ли</a:t>
+            </a:r>
+            <a:endParaRPr lang="ru-RU" sz="2400" dirty="0"/>
           </a:p>
         </p:txBody>
       </p:sp>
@@ -3739,7 +3927,7 @@
         <p:spPr>
           <a:xfrm>
             <a:off x="838200" y="1281113"/>
-            <a:ext cx="11353800" cy="3416320"/>
+            <a:ext cx="11353800" cy="3970318"/>
           </a:xfrm>
           <a:prstGeom prst="rect">
             <a:avLst/>
@@ -3819,8 +4007,19 @@
                 <a:latin typeface="Times New Roman" panose="02020603050405020304" pitchFamily="18" charset="0"/>
                 <a:cs typeface="Times New Roman" panose="02020603050405020304" pitchFamily="18" charset="0"/>
               </a:rPr>
-              <a:t>выбранного алгоритма для решения проблемы;</a:t>
-            </a:r>
+              <a:t>выбранного алгоритма для решения </a:t>
+            </a:r>
+            <a:r>
+              <a:rPr lang="ru-RU" sz="2400" dirty="0">
+                <a:latin typeface="Times New Roman" panose="02020603050405020304" pitchFamily="18" charset="0"/>
+                <a:cs typeface="Times New Roman" panose="02020603050405020304" pitchFamily="18" charset="0"/>
+              </a:rPr>
+              <a:t>проблемы обхода опасных участков маршрута;</a:t>
+            </a:r>
+            <a:endParaRPr lang="ru-RU" sz="2400" dirty="0">
+              <a:latin typeface="Times New Roman" panose="02020603050405020304" pitchFamily="18" charset="0"/>
+              <a:cs typeface="Times New Roman" panose="02020603050405020304" pitchFamily="18" charset="0"/>
+            </a:endParaRPr>
           </a:p>
           <a:p>
             <a:pPr marL="342900" indent="-342900">
@@ -4255,7 +4454,7 @@
         <p:spPr>
           <a:xfrm>
             <a:off x="0" y="2603042"/>
-            <a:ext cx="11353800" cy="3416320"/>
+            <a:ext cx="11353800" cy="3970318"/>
           </a:xfrm>
           <a:prstGeom prst="rect">
             <a:avLst/>
@@ -4352,8 +4551,12 @@
                 <a:latin typeface="Times New Roman" panose="02020603050405020304" pitchFamily="18" charset="0"/>
                 <a:cs typeface="Times New Roman" panose="02020603050405020304" pitchFamily="18" charset="0"/>
               </a:rPr>
-              <a:t>проблемы;</a:t>
-            </a:r>
+              <a:t>проблемы обхода опасных участков маршрута;</a:t>
+            </a:r>
+            <a:endParaRPr lang="ru-RU" sz="2400" dirty="0" smtClean="0">
+              <a:latin typeface="Times New Roman" panose="02020603050405020304" pitchFamily="18" charset="0"/>
+              <a:cs typeface="Times New Roman" panose="02020603050405020304" pitchFamily="18" charset="0"/>
+            </a:endParaRPr>
           </a:p>
           <a:p>
             <a:pPr marL="342900" indent="-342900">
@@ -4522,14 +4725,14 @@
           <p:nvPr>
             <p:extLst>
               <p:ext uri="{D42A27DB-BD31-4B8C-83A1-F6EECF244321}">
-                <p14:modId xmlns:p14="http://schemas.microsoft.com/office/powerpoint/2010/main" val="734786663"/>
+                <p14:modId xmlns:p14="http://schemas.microsoft.com/office/powerpoint/2010/main" val="3517701891"/>
               </p:ext>
             </p:extLst>
           </p:nvPr>
         </p:nvGraphicFramePr>
         <p:xfrm>
           <a:off x="338258" y="952086"/>
-          <a:ext cx="11476516" cy="5295308"/>
+          <a:ext cx="9466643" cy="4490628"/>
         </p:xfrm>
         <a:graphic>
           <a:graphicData uri="http://schemas.openxmlformats.org/drawingml/2006/table">
@@ -4538,15 +4741,15 @@
                 <a:tableStyleId>{5940675A-B579-460E-94D1-54222C63F5DA}</a:tableStyleId>
               </a:tblPr>
               <a:tblGrid>
-                <a:gridCol w="2299471"/>
-                <a:gridCol w="955268"/>
-                <a:gridCol w="1662601"/>
-                <a:gridCol w="1639794"/>
-                <a:gridCol w="1639794"/>
-                <a:gridCol w="1639794"/>
-                <a:gridCol w="1639794"/>
+                <a:gridCol w="1896767"/>
+                <a:gridCol w="787973"/>
+                <a:gridCol w="1371431"/>
+                <a:gridCol w="1352618"/>
+                <a:gridCol w="1352618"/>
+                <a:gridCol w="1352618"/>
+                <a:gridCol w="1352618"/>
               </a:tblGrid>
-              <a:tr h="726203">
+              <a:tr h="603410">
                 <a:tc rowSpan="2">
                   <a:txBody>
                     <a:bodyPr/>
@@ -4561,12 +4764,12 @@
                         </a:spcAft>
                       </a:pPr>
                       <a:r>
-                        <a:rPr lang="ru-RU" sz="1600" b="1" dirty="0">
+                        <a:rPr lang="ru-RU" sz="1300" b="1" dirty="0">
                           <a:effectLst/>
                         </a:rPr>
                         <a:t>Алгоритм</a:t>
                       </a:r>
-                      <a:endParaRPr lang="ru-RU" sz="1600" b="1" dirty="0">
+                      <a:endParaRPr lang="ru-RU" sz="1300" b="1" dirty="0">
                         <a:effectLst/>
                         <a:latin typeface="Times New Roman" panose="02020603050405020304" pitchFamily="18" charset="0"/>
                         <a:ea typeface="Times New Roman" panose="02020603050405020304" pitchFamily="18" charset="0"/>
@@ -4574,7 +4777,7 @@
                       </a:endParaRPr>
                     </a:p>
                   </a:txBody>
-                  <a:tcPr marL="66602" marR="66602" marT="0" marB="0"/>
+                  <a:tcPr marL="54938" marR="54938" marT="0" marB="0"/>
                 </a:tc>
                 <a:tc gridSpan="5">
                   <a:txBody>
@@ -4590,12 +4793,12 @@
                         </a:spcAft>
                       </a:pPr>
                       <a:r>
-                        <a:rPr lang="ru-RU" sz="1600" b="1" dirty="0">
+                        <a:rPr lang="ru-RU" sz="1300" b="1" dirty="0">
                           <a:effectLst/>
                         </a:rPr>
                         <a:t>Размер дискретного рабочего пространства</a:t>
                       </a:r>
-                      <a:endParaRPr lang="ru-RU" sz="1600" b="1" dirty="0">
+                      <a:endParaRPr lang="ru-RU" sz="1300" b="1" dirty="0">
                         <a:effectLst/>
                         <a:latin typeface="Times New Roman" panose="02020603050405020304" pitchFamily="18" charset="0"/>
                         <a:ea typeface="Times New Roman" panose="02020603050405020304" pitchFamily="18" charset="0"/>
@@ -4603,7 +4806,7 @@
                       </a:endParaRPr>
                     </a:p>
                   </a:txBody>
-                  <a:tcPr marL="66602" marR="66602" marT="0" marB="0"/>
+                  <a:tcPr marL="54938" marR="54938" marT="0" marB="0"/>
                 </a:tc>
                 <a:tc hMerge="1">
                   <a:txBody>
@@ -4659,12 +4862,12 @@
                         </a:spcAft>
                       </a:pPr>
                       <a:r>
-                        <a:rPr lang="ru-RU" sz="1600" b="1" dirty="0" smtClean="0">
+                        <a:rPr lang="ru-RU" sz="1300" b="1" dirty="0" smtClean="0">
                           <a:effectLst/>
                         </a:rPr>
                         <a:t>Точность результата</a:t>
                       </a:r>
-                      <a:endParaRPr lang="ru-RU" sz="1600" b="1" dirty="0">
+                      <a:endParaRPr lang="ru-RU" sz="1300" b="1" dirty="0">
                         <a:effectLst/>
                         <a:latin typeface="Times New Roman" panose="02020603050405020304" pitchFamily="18" charset="0"/>
                         <a:ea typeface="Times New Roman" panose="02020603050405020304" pitchFamily="18" charset="0"/>
@@ -4672,10 +4875,10 @@
                       </a:endParaRPr>
                     </a:p>
                   </a:txBody>
-                  <a:tcPr marL="66602" marR="66602" marT="0" marB="0"/>
+                  <a:tcPr marL="54938" marR="54938" marT="0" marB="0"/>
                 </a:tc>
               </a:tr>
-              <a:tr h="577048">
+              <a:tr h="475990">
                 <a:tc vMerge="1">
                   <a:txBody>
                     <a:bodyPr/>
@@ -4700,24 +4903,24 @@
                         </a:spcAft>
                       </a:pPr>
                       <a:r>
-                        <a:rPr lang="ru-RU" sz="1600" b="1" dirty="0">
+                        <a:rPr lang="ru-RU" sz="1300" b="1" dirty="0">
                           <a:effectLst/>
                         </a:rPr>
                         <a:t>64 </a:t>
                       </a:r>
                       <a:r>
-                        <a:rPr lang="en-US" sz="1600" b="1" dirty="0">
+                        <a:rPr lang="en-US" sz="1300" b="1" dirty="0">
                           <a:effectLst/>
                         </a:rPr>
                         <a:t>x</a:t>
                       </a:r>
                       <a:r>
-                        <a:rPr lang="ru-RU" sz="1600" b="1" dirty="0">
+                        <a:rPr lang="ru-RU" sz="1300" b="1" dirty="0">
                           <a:effectLst/>
                         </a:rPr>
                         <a:t> 64</a:t>
                       </a:r>
-                      <a:endParaRPr lang="ru-RU" sz="1600" b="1" dirty="0">
+                      <a:endParaRPr lang="ru-RU" sz="1300" b="1" dirty="0">
                         <a:effectLst/>
                         <a:latin typeface="Times New Roman" panose="02020603050405020304" pitchFamily="18" charset="0"/>
                         <a:ea typeface="Times New Roman" panose="02020603050405020304" pitchFamily="18" charset="0"/>
@@ -4725,7 +4928,7 @@
                       </a:endParaRPr>
                     </a:p>
                   </a:txBody>
-                  <a:tcPr marL="66602" marR="66602" marT="0" marB="0"/>
+                  <a:tcPr marL="54938" marR="54938" marT="0" marB="0"/>
                 </a:tc>
                 <a:tc>
                   <a:txBody>
@@ -4741,24 +4944,24 @@
                         </a:spcAft>
                       </a:pPr>
                       <a:r>
-                        <a:rPr lang="ru-RU" sz="1600" b="1" dirty="0">
+                        <a:rPr lang="ru-RU" sz="1300" b="1" dirty="0">
                           <a:effectLst/>
                         </a:rPr>
                         <a:t>128 </a:t>
                       </a:r>
                       <a:r>
-                        <a:rPr lang="en-US" sz="1600" b="1" dirty="0">
+                        <a:rPr lang="en-US" sz="1300" b="1" dirty="0">
                           <a:effectLst/>
                         </a:rPr>
                         <a:t>x</a:t>
                       </a:r>
                       <a:r>
-                        <a:rPr lang="ru-RU" sz="1600" b="1" dirty="0">
+                        <a:rPr lang="ru-RU" sz="1300" b="1" dirty="0">
                           <a:effectLst/>
                         </a:rPr>
                         <a:t> 128</a:t>
                       </a:r>
-                      <a:endParaRPr lang="ru-RU" sz="1600" b="1" dirty="0">
+                      <a:endParaRPr lang="ru-RU" sz="1300" b="1" dirty="0">
                         <a:effectLst/>
                         <a:latin typeface="Times New Roman" panose="02020603050405020304" pitchFamily="18" charset="0"/>
                         <a:ea typeface="Times New Roman" panose="02020603050405020304" pitchFamily="18" charset="0"/>
@@ -4766,7 +4969,7 @@
                       </a:endParaRPr>
                     </a:p>
                   </a:txBody>
-                  <a:tcPr marL="66602" marR="66602" marT="0" marB="0"/>
+                  <a:tcPr marL="54938" marR="54938" marT="0" marB="0"/>
                 </a:tc>
                 <a:tc>
                   <a:txBody>
@@ -4782,24 +4985,24 @@
                         </a:spcAft>
                       </a:pPr>
                       <a:r>
-                        <a:rPr lang="ru-RU" sz="1600" b="1" dirty="0">
+                        <a:rPr lang="ru-RU" sz="1300" b="1" dirty="0">
                           <a:effectLst/>
                         </a:rPr>
                         <a:t>256 </a:t>
                       </a:r>
                       <a:r>
-                        <a:rPr lang="en-US" sz="1600" b="1" dirty="0">
+                        <a:rPr lang="en-US" sz="1300" b="1" dirty="0">
                           <a:effectLst/>
                         </a:rPr>
                         <a:t>x</a:t>
                       </a:r>
                       <a:r>
-                        <a:rPr lang="ru-RU" sz="1600" b="1" dirty="0">
+                        <a:rPr lang="ru-RU" sz="1300" b="1" dirty="0">
                           <a:effectLst/>
                         </a:rPr>
                         <a:t> 256</a:t>
                       </a:r>
-                      <a:endParaRPr lang="ru-RU" sz="1600" b="1" dirty="0">
+                      <a:endParaRPr lang="ru-RU" sz="1300" b="1" dirty="0">
                         <a:effectLst/>
                         <a:latin typeface="Times New Roman" panose="02020603050405020304" pitchFamily="18" charset="0"/>
                         <a:ea typeface="Times New Roman" panose="02020603050405020304" pitchFamily="18" charset="0"/>
@@ -4807,7 +5010,7 @@
                       </a:endParaRPr>
                     </a:p>
                   </a:txBody>
-                  <a:tcPr marL="66602" marR="66602" marT="0" marB="0"/>
+                  <a:tcPr marL="54938" marR="54938" marT="0" marB="0"/>
                 </a:tc>
                 <a:tc>
                   <a:txBody>
@@ -4823,24 +5026,24 @@
                         </a:spcAft>
                       </a:pPr>
                       <a:r>
-                        <a:rPr lang="ru-RU" sz="1600" b="1" dirty="0">
+                        <a:rPr lang="ru-RU" sz="1300" b="1" dirty="0">
                           <a:effectLst/>
                         </a:rPr>
                         <a:t>512 </a:t>
                       </a:r>
                       <a:r>
-                        <a:rPr lang="en-US" sz="1600" b="1" dirty="0" smtClean="0">
+                        <a:rPr lang="en-US" sz="1300" b="1" dirty="0" smtClean="0">
                           <a:effectLst/>
                         </a:rPr>
                         <a:t>x </a:t>
                       </a:r>
                       <a:r>
-                        <a:rPr lang="ru-RU" sz="1600" b="1" dirty="0" smtClean="0">
+                        <a:rPr lang="ru-RU" sz="1300" b="1" dirty="0" smtClean="0">
                           <a:effectLst/>
                         </a:rPr>
                         <a:t>512</a:t>
                       </a:r>
-                      <a:endParaRPr lang="ru-RU" sz="1600" b="1" dirty="0">
+                      <a:endParaRPr lang="ru-RU" sz="1300" b="1" dirty="0">
                         <a:effectLst/>
                         <a:latin typeface="Times New Roman" panose="02020603050405020304" pitchFamily="18" charset="0"/>
                         <a:ea typeface="Times New Roman" panose="02020603050405020304" pitchFamily="18" charset="0"/>
@@ -4848,7 +5051,7 @@
                       </a:endParaRPr>
                     </a:p>
                   </a:txBody>
-                  <a:tcPr marL="66602" marR="66602" marT="0" marB="0"/>
+                  <a:tcPr marL="54938" marR="54938" marT="0" marB="0"/>
                 </a:tc>
                 <a:tc>
                   <a:txBody>
@@ -4864,24 +5067,24 @@
                         </a:spcAft>
                       </a:pPr>
                       <a:r>
-                        <a:rPr lang="ru-RU" sz="1600" b="1" dirty="0">
+                        <a:rPr lang="ru-RU" sz="1300" b="1" dirty="0">
                           <a:effectLst/>
                         </a:rPr>
                         <a:t>1024 </a:t>
                       </a:r>
                       <a:r>
-                        <a:rPr lang="en-US" sz="1600" b="1" dirty="0">
+                        <a:rPr lang="en-US" sz="1300" b="1" dirty="0">
                           <a:effectLst/>
                         </a:rPr>
                         <a:t>x</a:t>
                       </a:r>
                       <a:r>
-                        <a:rPr lang="ru-RU" sz="1600" b="1" dirty="0">
+                        <a:rPr lang="ru-RU" sz="1300" b="1" dirty="0">
                           <a:effectLst/>
                         </a:rPr>
                         <a:t> 1024</a:t>
                       </a:r>
-                      <a:endParaRPr lang="ru-RU" sz="1600" b="1" dirty="0">
+                      <a:endParaRPr lang="ru-RU" sz="1300" b="1" dirty="0">
                         <a:effectLst/>
                         <a:latin typeface="Times New Roman" panose="02020603050405020304" pitchFamily="18" charset="0"/>
                         <a:ea typeface="Times New Roman" panose="02020603050405020304" pitchFamily="18" charset="0"/>
@@ -4889,7 +5092,7 @@
                       </a:endParaRPr>
                     </a:p>
                   </a:txBody>
-                  <a:tcPr marL="66602" marR="66602" marT="0" marB="0"/>
+                  <a:tcPr marL="54938" marR="54938" marT="0" marB="0"/>
                 </a:tc>
                 <a:tc>
                   <a:txBody>
@@ -4904,7 +5107,7 @@
                           <a:spcPts val="0"/>
                         </a:spcAft>
                       </a:pPr>
-                      <a:endParaRPr lang="ru-RU" sz="1600" b="1" dirty="0">
+                      <a:endParaRPr lang="ru-RU" sz="1300" b="1" dirty="0">
                         <a:effectLst/>
                         <a:latin typeface="Times New Roman" panose="02020603050405020304" pitchFamily="18" charset="0"/>
                         <a:ea typeface="Times New Roman" panose="02020603050405020304" pitchFamily="18" charset="0"/>
@@ -4912,10 +5115,10 @@
                       </a:endParaRPr>
                     </a:p>
                   </a:txBody>
-                  <a:tcPr marL="66602" marR="66602" marT="0" marB="0"/>
+                  <a:tcPr marL="54938" marR="54938" marT="0" marB="0"/>
                 </a:tc>
               </a:tr>
-              <a:tr h="715321">
+              <a:tr h="590048">
                 <a:tc>
                   <a:txBody>
                     <a:bodyPr/>
@@ -4930,12 +5133,12 @@
                         </a:spcAft>
                       </a:pPr>
                       <a:r>
-                        <a:rPr lang="ru-RU" sz="1600" b="1" dirty="0">
+                        <a:rPr lang="ru-RU" sz="1300" b="1" dirty="0">
                           <a:effectLst/>
                         </a:rPr>
                         <a:t>Поиск в ширину</a:t>
                       </a:r>
-                      <a:endParaRPr lang="ru-RU" sz="1600" b="1" dirty="0">
+                      <a:endParaRPr lang="ru-RU" sz="1300" b="1" dirty="0">
                         <a:effectLst/>
                         <a:latin typeface="Times New Roman" panose="02020603050405020304" pitchFamily="18" charset="0"/>
                         <a:ea typeface="Times New Roman" panose="02020603050405020304" pitchFamily="18" charset="0"/>
@@ -4943,7 +5146,7 @@
                       </a:endParaRPr>
                     </a:p>
                   </a:txBody>
-                  <a:tcPr marL="66602" marR="66602" marT="0" marB="0"/>
+                  <a:tcPr marL="54938" marR="54938" marT="0" marB="0"/>
                 </a:tc>
                 <a:tc>
                   <a:txBody>
@@ -4959,12 +5162,12 @@
                         </a:spcAft>
                       </a:pPr>
                       <a:r>
-                        <a:rPr lang="ru-RU" sz="1600" dirty="0">
+                        <a:rPr lang="ru-RU" sz="1300" dirty="0" smtClean="0">
                           <a:effectLst/>
                         </a:rPr>
-                        <a:t>3155</a:t>
+                        <a:t>3155 ячеек</a:t>
                       </a:r>
-                      <a:endParaRPr lang="ru-RU" sz="1600" dirty="0">
+                      <a:endParaRPr lang="ru-RU" sz="1300" dirty="0">
                         <a:effectLst/>
                         <a:latin typeface="Times New Roman" panose="02020603050405020304" pitchFamily="18" charset="0"/>
                         <a:ea typeface="Times New Roman" panose="02020603050405020304" pitchFamily="18" charset="0"/>
@@ -4972,7 +5175,7 @@
                       </a:endParaRPr>
                     </a:p>
                   </a:txBody>
-                  <a:tcPr marL="66602" marR="66602" marT="0" marB="0"/>
+                  <a:tcPr marL="54938" marR="54938" marT="0" marB="0"/>
                 </a:tc>
                 <a:tc>
                   <a:txBody>
@@ -4988,12 +5191,12 @@
                         </a:spcAft>
                       </a:pPr>
                       <a:r>
-                        <a:rPr lang="ru-RU" sz="1600" dirty="0">
+                        <a:rPr lang="ru-RU" sz="1300" dirty="0" smtClean="0">
                           <a:effectLst/>
                         </a:rPr>
-                        <a:t>12887</a:t>
+                        <a:t>12887 ячеек</a:t>
                       </a:r>
-                      <a:endParaRPr lang="ru-RU" sz="1600" dirty="0">
+                      <a:endParaRPr lang="ru-RU" sz="1300" dirty="0">
                         <a:effectLst/>
                         <a:latin typeface="Times New Roman" panose="02020603050405020304" pitchFamily="18" charset="0"/>
                         <a:ea typeface="Times New Roman" panose="02020603050405020304" pitchFamily="18" charset="0"/>
@@ -5001,7 +5204,7 @@
                       </a:endParaRPr>
                     </a:p>
                   </a:txBody>
-                  <a:tcPr marL="66602" marR="66602" marT="0" marB="0"/>
+                  <a:tcPr marL="54938" marR="54938" marT="0" marB="0"/>
                 </a:tc>
                 <a:tc>
                   <a:txBody>
@@ -5017,12 +5220,12 @@
                         </a:spcAft>
                       </a:pPr>
                       <a:r>
-                        <a:rPr lang="ru-RU" sz="1600" dirty="0">
+                        <a:rPr lang="ru-RU" sz="1300" dirty="0" smtClean="0">
                           <a:effectLst/>
                         </a:rPr>
-                        <a:t>52367</a:t>
+                        <a:t>52367 ячеек</a:t>
                       </a:r>
-                      <a:endParaRPr lang="ru-RU" sz="1600" dirty="0">
+                      <a:endParaRPr lang="ru-RU" sz="1300" dirty="0">
                         <a:effectLst/>
                         <a:latin typeface="Times New Roman" panose="02020603050405020304" pitchFamily="18" charset="0"/>
                         <a:ea typeface="Times New Roman" panose="02020603050405020304" pitchFamily="18" charset="0"/>
@@ -5030,7 +5233,7 @@
                       </a:endParaRPr>
                     </a:p>
                   </a:txBody>
-                  <a:tcPr marL="66602" marR="66602" marT="0" marB="0"/>
+                  <a:tcPr marL="54938" marR="54938" marT="0" marB="0"/>
                 </a:tc>
                 <a:tc>
                   <a:txBody>
@@ -5046,12 +5249,12 @@
                         </a:spcAft>
                       </a:pPr>
                       <a:r>
-                        <a:rPr lang="ru-RU" sz="1600" dirty="0">
+                        <a:rPr lang="ru-RU" sz="1300" dirty="0" smtClean="0">
                           <a:effectLst/>
                         </a:rPr>
-                        <a:t>213648</a:t>
+                        <a:t>213648 ячеек</a:t>
                       </a:r>
-                      <a:endParaRPr lang="ru-RU" sz="1600" dirty="0">
+                      <a:endParaRPr lang="ru-RU" sz="1300" dirty="0">
                         <a:effectLst/>
                         <a:latin typeface="Times New Roman" panose="02020603050405020304" pitchFamily="18" charset="0"/>
                         <a:ea typeface="Times New Roman" panose="02020603050405020304" pitchFamily="18" charset="0"/>
@@ -5059,7 +5262,7 @@
                       </a:endParaRPr>
                     </a:p>
                   </a:txBody>
-                  <a:tcPr marL="66602" marR="66602" marT="0" marB="0"/>
+                  <a:tcPr marL="54938" marR="54938" marT="0" marB="0"/>
                 </a:tc>
                 <a:tc>
                   <a:txBody>
@@ -5075,12 +5278,12 @@
                         </a:spcAft>
                       </a:pPr>
                       <a:r>
-                        <a:rPr lang="ru-RU" sz="1600" dirty="0">
+                        <a:rPr lang="ru-RU" sz="1300" dirty="0" smtClean="0">
                           <a:effectLst/>
                         </a:rPr>
-                        <a:t>1159255</a:t>
+                        <a:t>1159255 ячеек</a:t>
                       </a:r>
-                      <a:endParaRPr lang="ru-RU" sz="1600" dirty="0">
+                      <a:endParaRPr lang="ru-RU" sz="1300" dirty="0">
                         <a:effectLst/>
                         <a:latin typeface="Times New Roman" panose="02020603050405020304" pitchFamily="18" charset="0"/>
                         <a:ea typeface="Times New Roman" panose="02020603050405020304" pitchFamily="18" charset="0"/>
@@ -5088,7 +5291,7 @@
                       </a:endParaRPr>
                     </a:p>
                   </a:txBody>
-                  <a:tcPr marL="66602" marR="66602" marT="0" marB="0"/>
+                  <a:tcPr marL="54938" marR="54938" marT="0" marB="0"/>
                 </a:tc>
                 <a:tc>
                   <a:txBody>
@@ -5104,12 +5307,12 @@
                         </a:spcAft>
                       </a:pPr>
                       <a:r>
-                        <a:rPr lang="ru-RU" sz="1600" dirty="0" smtClean="0">
+                        <a:rPr lang="ru-RU" sz="1300" dirty="0" smtClean="0">
                           <a:effectLst/>
                         </a:rPr>
                         <a:t>Точный</a:t>
                       </a:r>
-                      <a:endParaRPr lang="ru-RU" sz="1600" dirty="0">
+                      <a:endParaRPr lang="ru-RU" sz="1300" dirty="0">
                         <a:effectLst/>
                         <a:latin typeface="Times New Roman" panose="02020603050405020304" pitchFamily="18" charset="0"/>
                         <a:ea typeface="Times New Roman" panose="02020603050405020304" pitchFamily="18" charset="0"/>
@@ -5117,10 +5320,10 @@
                       </a:endParaRPr>
                     </a:p>
                   </a:txBody>
-                  <a:tcPr marL="66602" marR="66602" marT="0" marB="0"/>
+                  <a:tcPr marL="54938" marR="54938" marT="0" marB="0"/>
                 </a:tc>
               </a:tr>
-              <a:tr h="865571">
+              <a:tr h="713984">
                 <a:tc>
                   <a:txBody>
                     <a:bodyPr/>
@@ -5135,18 +5338,18 @@
                         </a:spcAft>
                       </a:pPr>
                       <a:r>
-                        <a:rPr lang="ru-RU" sz="1600" b="1" dirty="0">
+                        <a:rPr lang="ru-RU" sz="1300" b="1" dirty="0">
                           <a:effectLst/>
                         </a:rPr>
                         <a:t>Алгоритм </a:t>
                       </a:r>
                       <a:r>
-                        <a:rPr lang="ru-RU" sz="1600" b="1" dirty="0" err="1">
+                        <a:rPr lang="ru-RU" sz="1300" b="1" dirty="0" err="1">
                           <a:effectLst/>
                         </a:rPr>
                         <a:t>Дейкстры</a:t>
                       </a:r>
-                      <a:endParaRPr lang="ru-RU" sz="1600" b="1" dirty="0">
+                      <a:endParaRPr lang="ru-RU" sz="1300" b="1" dirty="0">
                         <a:effectLst/>
                         <a:latin typeface="Times New Roman" panose="02020603050405020304" pitchFamily="18" charset="0"/>
                         <a:ea typeface="Times New Roman" panose="02020603050405020304" pitchFamily="18" charset="0"/>
@@ -5154,562 +5357,7 @@
                       </a:endParaRPr>
                     </a:p>
                   </a:txBody>
-                  <a:tcPr marL="66602" marR="66602" marT="0" marB="0"/>
-                </a:tc>
-                <a:tc>
-                  <a:txBody>
-                    <a:bodyPr/>
-                    <a:lstStyle/>
-                    <a:p>
-                      <a:pPr marL="0" indent="0" algn="l">
-                        <a:lnSpc>
-                          <a:spcPct val="150000"/>
-                        </a:lnSpc>
-                        <a:spcAft>
-                          <a:spcPts val="0"/>
-                        </a:spcAft>
-                      </a:pPr>
-                      <a:r>
-                        <a:rPr lang="ru-RU" sz="1600" dirty="0">
-                          <a:effectLst/>
-                        </a:rPr>
-                        <a:t>3173</a:t>
-                      </a:r>
-                      <a:endParaRPr lang="ru-RU" sz="1600" dirty="0">
-                        <a:effectLst/>
-                        <a:latin typeface="Times New Roman" panose="02020603050405020304" pitchFamily="18" charset="0"/>
-                        <a:ea typeface="Times New Roman" panose="02020603050405020304" pitchFamily="18" charset="0"/>
-                        <a:cs typeface="Times New Roman" panose="02020603050405020304" pitchFamily="18" charset="0"/>
-                      </a:endParaRPr>
-                    </a:p>
-                  </a:txBody>
-                  <a:tcPr marL="66602" marR="66602" marT="0" marB="0"/>
-                </a:tc>
-                <a:tc>
-                  <a:txBody>
-                    <a:bodyPr/>
-                    <a:lstStyle/>
-                    <a:p>
-                      <a:pPr marL="0" indent="0" algn="l">
-                        <a:lnSpc>
-                          <a:spcPct val="150000"/>
-                        </a:lnSpc>
-                        <a:spcAft>
-                          <a:spcPts val="0"/>
-                        </a:spcAft>
-                      </a:pPr>
-                      <a:r>
-                        <a:rPr lang="ru-RU" sz="1600" dirty="0">
-                          <a:effectLst/>
-                        </a:rPr>
-                        <a:t>13058</a:t>
-                      </a:r>
-                      <a:endParaRPr lang="ru-RU" sz="1600" dirty="0">
-                        <a:effectLst/>
-                        <a:latin typeface="Times New Roman" panose="02020603050405020304" pitchFamily="18" charset="0"/>
-                        <a:ea typeface="Times New Roman" panose="02020603050405020304" pitchFamily="18" charset="0"/>
-                        <a:cs typeface="Times New Roman" panose="02020603050405020304" pitchFamily="18" charset="0"/>
-                      </a:endParaRPr>
-                    </a:p>
-                  </a:txBody>
-                  <a:tcPr marL="66602" marR="66602" marT="0" marB="0"/>
-                </a:tc>
-                <a:tc>
-                  <a:txBody>
-                    <a:bodyPr/>
-                    <a:lstStyle/>
-                    <a:p>
-                      <a:pPr marL="0" indent="0" algn="l">
-                        <a:lnSpc>
-                          <a:spcPct val="150000"/>
-                        </a:lnSpc>
-                        <a:spcAft>
-                          <a:spcPts val="0"/>
-                        </a:spcAft>
-                      </a:pPr>
-                      <a:r>
-                        <a:rPr lang="ru-RU" sz="1600" dirty="0">
-                          <a:effectLst/>
-                        </a:rPr>
-                        <a:t>52068</a:t>
-                      </a:r>
-                      <a:endParaRPr lang="ru-RU" sz="1600" dirty="0">
-                        <a:effectLst/>
-                        <a:latin typeface="Times New Roman" panose="02020603050405020304" pitchFamily="18" charset="0"/>
-                        <a:ea typeface="Times New Roman" panose="02020603050405020304" pitchFamily="18" charset="0"/>
-                        <a:cs typeface="Times New Roman" panose="02020603050405020304" pitchFamily="18" charset="0"/>
-                      </a:endParaRPr>
-                    </a:p>
-                  </a:txBody>
-                  <a:tcPr marL="66602" marR="66602" marT="0" marB="0"/>
-                </a:tc>
-                <a:tc>
-                  <a:txBody>
-                    <a:bodyPr/>
-                    <a:lstStyle/>
-                    <a:p>
-                      <a:pPr marL="0" indent="0" algn="l">
-                        <a:lnSpc>
-                          <a:spcPct val="150000"/>
-                        </a:lnSpc>
-                        <a:spcAft>
-                          <a:spcPts val="0"/>
-                        </a:spcAft>
-                      </a:pPr>
-                      <a:r>
-                        <a:rPr lang="ru-RU" sz="1600" dirty="0">
-                          <a:effectLst/>
-                        </a:rPr>
-                        <a:t>209251</a:t>
-                      </a:r>
-                      <a:endParaRPr lang="ru-RU" sz="1600" dirty="0">
-                        <a:effectLst/>
-                        <a:latin typeface="Times New Roman" panose="02020603050405020304" pitchFamily="18" charset="0"/>
-                        <a:ea typeface="Times New Roman" panose="02020603050405020304" pitchFamily="18" charset="0"/>
-                        <a:cs typeface="Times New Roman" panose="02020603050405020304" pitchFamily="18" charset="0"/>
-                      </a:endParaRPr>
-                    </a:p>
-                  </a:txBody>
-                  <a:tcPr marL="66602" marR="66602" marT="0" marB="0"/>
-                </a:tc>
-                <a:tc>
-                  <a:txBody>
-                    <a:bodyPr/>
-                    <a:lstStyle/>
-                    <a:p>
-                      <a:pPr marL="0" indent="0" algn="l">
-                        <a:lnSpc>
-                          <a:spcPct val="150000"/>
-                        </a:lnSpc>
-                        <a:spcAft>
-                          <a:spcPts val="0"/>
-                        </a:spcAft>
-                      </a:pPr>
-                      <a:r>
-                        <a:rPr lang="ru-RU" sz="1600" dirty="0">
-                          <a:effectLst/>
-                        </a:rPr>
-                        <a:t>836977</a:t>
-                      </a:r>
-                      <a:endParaRPr lang="ru-RU" sz="1600" dirty="0">
-                        <a:effectLst/>
-                        <a:latin typeface="Times New Roman" panose="02020603050405020304" pitchFamily="18" charset="0"/>
-                        <a:ea typeface="Times New Roman" panose="02020603050405020304" pitchFamily="18" charset="0"/>
-                        <a:cs typeface="Times New Roman" panose="02020603050405020304" pitchFamily="18" charset="0"/>
-                      </a:endParaRPr>
-                    </a:p>
-                  </a:txBody>
-                  <a:tcPr marL="66602" marR="66602" marT="0" marB="0"/>
-                </a:tc>
-                <a:tc>
-                  <a:txBody>
-                    <a:bodyPr/>
-                    <a:lstStyle/>
-                    <a:p>
-                      <a:pPr marL="0" indent="0" algn="l">
-                        <a:lnSpc>
-                          <a:spcPct val="150000"/>
-                        </a:lnSpc>
-                        <a:spcAft>
-                          <a:spcPts val="0"/>
-                        </a:spcAft>
-                      </a:pPr>
-                      <a:r>
-                        <a:rPr lang="ru-RU" sz="1600" dirty="0" smtClean="0">
-                          <a:effectLst/>
-                        </a:rPr>
-                        <a:t>Точный</a:t>
-                      </a:r>
-                      <a:endParaRPr lang="ru-RU" sz="1600" dirty="0">
-                        <a:effectLst/>
-                        <a:latin typeface="Times New Roman" panose="02020603050405020304" pitchFamily="18" charset="0"/>
-                        <a:ea typeface="Times New Roman" panose="02020603050405020304" pitchFamily="18" charset="0"/>
-                        <a:cs typeface="Times New Roman" panose="02020603050405020304" pitchFamily="18" charset="0"/>
-                      </a:endParaRPr>
-                    </a:p>
-                  </a:txBody>
-                  <a:tcPr marL="66602" marR="66602" marT="0" marB="0"/>
-                </a:tc>
-              </a:tr>
-              <a:tr h="577048">
-                <a:tc>
-                  <a:txBody>
-                    <a:bodyPr/>
-                    <a:lstStyle/>
-                    <a:p>
-                      <a:pPr marL="0" indent="0" algn="l">
-                        <a:lnSpc>
-                          <a:spcPct val="150000"/>
-                        </a:lnSpc>
-                        <a:spcAft>
-                          <a:spcPts val="0"/>
-                        </a:spcAft>
-                      </a:pPr>
-                      <a:r>
-                        <a:rPr lang="en-US" sz="1600" b="1" dirty="0">
-                          <a:effectLst/>
-                        </a:rPr>
-                        <a:t>A*</a:t>
-                      </a:r>
-                      <a:endParaRPr lang="ru-RU" sz="1600" b="1" dirty="0">
-                        <a:effectLst/>
-                        <a:latin typeface="Times New Roman" panose="02020603050405020304" pitchFamily="18" charset="0"/>
-                        <a:ea typeface="Times New Roman" panose="02020603050405020304" pitchFamily="18" charset="0"/>
-                        <a:cs typeface="Times New Roman" panose="02020603050405020304" pitchFamily="18" charset="0"/>
-                      </a:endParaRPr>
-                    </a:p>
-                  </a:txBody>
-                  <a:tcPr marL="66602" marR="66602" marT="0" marB="0"/>
-                </a:tc>
-                <a:tc>
-                  <a:txBody>
-                    <a:bodyPr/>
-                    <a:lstStyle/>
-                    <a:p>
-                      <a:pPr marL="0" indent="0" algn="l">
-                        <a:lnSpc>
-                          <a:spcPct val="150000"/>
-                        </a:lnSpc>
-                        <a:spcAft>
-                          <a:spcPts val="0"/>
-                        </a:spcAft>
-                      </a:pPr>
-                      <a:r>
-                        <a:rPr lang="en-US" sz="1600" dirty="0">
-                          <a:effectLst/>
-                        </a:rPr>
-                        <a:t>623</a:t>
-                      </a:r>
-                      <a:endParaRPr lang="ru-RU" sz="1600" dirty="0">
-                        <a:effectLst/>
-                        <a:latin typeface="Times New Roman" panose="02020603050405020304" pitchFamily="18" charset="0"/>
-                        <a:ea typeface="Times New Roman" panose="02020603050405020304" pitchFamily="18" charset="0"/>
-                        <a:cs typeface="Times New Roman" panose="02020603050405020304" pitchFamily="18" charset="0"/>
-                      </a:endParaRPr>
-                    </a:p>
-                  </a:txBody>
-                  <a:tcPr marL="66602" marR="66602" marT="0" marB="0"/>
-                </a:tc>
-                <a:tc>
-                  <a:txBody>
-                    <a:bodyPr/>
-                    <a:lstStyle/>
-                    <a:p>
-                      <a:pPr marL="0" indent="0" algn="l">
-                        <a:lnSpc>
-                          <a:spcPct val="150000"/>
-                        </a:lnSpc>
-                        <a:spcAft>
-                          <a:spcPts val="0"/>
-                        </a:spcAft>
-                      </a:pPr>
-                      <a:r>
-                        <a:rPr lang="en-US" sz="1600" dirty="0">
-                          <a:effectLst/>
-                        </a:rPr>
-                        <a:t>1576</a:t>
-                      </a:r>
-                      <a:endParaRPr lang="ru-RU" sz="1600" dirty="0">
-                        <a:effectLst/>
-                        <a:latin typeface="Times New Roman" panose="02020603050405020304" pitchFamily="18" charset="0"/>
-                        <a:ea typeface="Times New Roman" panose="02020603050405020304" pitchFamily="18" charset="0"/>
-                        <a:cs typeface="Times New Roman" panose="02020603050405020304" pitchFamily="18" charset="0"/>
-                      </a:endParaRPr>
-                    </a:p>
-                  </a:txBody>
-                  <a:tcPr marL="66602" marR="66602" marT="0" marB="0"/>
-                </a:tc>
-                <a:tc>
-                  <a:txBody>
-                    <a:bodyPr/>
-                    <a:lstStyle/>
-                    <a:p>
-                      <a:pPr marL="0" indent="0" algn="l">
-                        <a:lnSpc>
-                          <a:spcPct val="150000"/>
-                        </a:lnSpc>
-                        <a:spcAft>
-                          <a:spcPts val="0"/>
-                        </a:spcAft>
-                      </a:pPr>
-                      <a:r>
-                        <a:rPr lang="en-US" sz="1600" dirty="0">
-                          <a:effectLst/>
-                        </a:rPr>
-                        <a:t>8071</a:t>
-                      </a:r>
-                      <a:endParaRPr lang="ru-RU" sz="1600" dirty="0">
-                        <a:effectLst/>
-                        <a:latin typeface="Times New Roman" panose="02020603050405020304" pitchFamily="18" charset="0"/>
-                        <a:ea typeface="Times New Roman" panose="02020603050405020304" pitchFamily="18" charset="0"/>
-                        <a:cs typeface="Times New Roman" panose="02020603050405020304" pitchFamily="18" charset="0"/>
-                      </a:endParaRPr>
-                    </a:p>
-                  </a:txBody>
-                  <a:tcPr marL="66602" marR="66602" marT="0" marB="0"/>
-                </a:tc>
-                <a:tc>
-                  <a:txBody>
-                    <a:bodyPr/>
-                    <a:lstStyle/>
-                    <a:p>
-                      <a:pPr marL="0" indent="0" algn="l">
-                        <a:lnSpc>
-                          <a:spcPct val="150000"/>
-                        </a:lnSpc>
-                        <a:spcAft>
-                          <a:spcPts val="0"/>
-                        </a:spcAft>
-                      </a:pPr>
-                      <a:r>
-                        <a:rPr lang="en-US" sz="1600" dirty="0">
-                          <a:effectLst/>
-                        </a:rPr>
-                        <a:t>40333</a:t>
-                      </a:r>
-                      <a:endParaRPr lang="ru-RU" sz="1600" dirty="0">
-                        <a:effectLst/>
-                        <a:latin typeface="Times New Roman" panose="02020603050405020304" pitchFamily="18" charset="0"/>
-                        <a:ea typeface="Times New Roman" panose="02020603050405020304" pitchFamily="18" charset="0"/>
-                        <a:cs typeface="Times New Roman" panose="02020603050405020304" pitchFamily="18" charset="0"/>
-                      </a:endParaRPr>
-                    </a:p>
-                  </a:txBody>
-                  <a:tcPr marL="66602" marR="66602" marT="0" marB="0"/>
-                </a:tc>
-                <a:tc>
-                  <a:txBody>
-                    <a:bodyPr/>
-                    <a:lstStyle/>
-                    <a:p>
-                      <a:pPr marL="0" indent="0" algn="l">
-                        <a:lnSpc>
-                          <a:spcPct val="150000"/>
-                        </a:lnSpc>
-                        <a:spcAft>
-                          <a:spcPts val="0"/>
-                        </a:spcAft>
-                      </a:pPr>
-                      <a:r>
-                        <a:rPr lang="en-US" sz="1600" dirty="0">
-                          <a:effectLst/>
-                        </a:rPr>
-                        <a:t>104109</a:t>
-                      </a:r>
-                      <a:endParaRPr lang="ru-RU" sz="1600" dirty="0">
-                        <a:effectLst/>
-                        <a:latin typeface="Times New Roman" panose="02020603050405020304" pitchFamily="18" charset="0"/>
-                        <a:ea typeface="Times New Roman" panose="02020603050405020304" pitchFamily="18" charset="0"/>
-                        <a:cs typeface="Times New Roman" panose="02020603050405020304" pitchFamily="18" charset="0"/>
-                      </a:endParaRPr>
-                    </a:p>
-                  </a:txBody>
-                  <a:tcPr marL="66602" marR="66602" marT="0" marB="0"/>
-                </a:tc>
-                <a:tc>
-                  <a:txBody>
-                    <a:bodyPr/>
-                    <a:lstStyle/>
-                    <a:p>
-                      <a:pPr marL="0" indent="0" algn="l">
-                        <a:lnSpc>
-                          <a:spcPct val="150000"/>
-                        </a:lnSpc>
-                        <a:spcAft>
-                          <a:spcPts val="0"/>
-                        </a:spcAft>
-                      </a:pPr>
-                      <a:r>
-                        <a:rPr lang="ru-RU" sz="1600" dirty="0" smtClean="0">
-                          <a:effectLst/>
-                        </a:rPr>
-                        <a:t>Точный</a:t>
-                      </a:r>
-                      <a:endParaRPr lang="ru-RU" sz="1600" dirty="0">
-                        <a:effectLst/>
-                        <a:latin typeface="Times New Roman" panose="02020603050405020304" pitchFamily="18" charset="0"/>
-                        <a:ea typeface="Times New Roman" panose="02020603050405020304" pitchFamily="18" charset="0"/>
-                        <a:cs typeface="Times New Roman" panose="02020603050405020304" pitchFamily="18" charset="0"/>
-                      </a:endParaRPr>
-                    </a:p>
-                  </a:txBody>
-                  <a:tcPr marL="66602" marR="66602" marT="0" marB="0"/>
-                </a:tc>
-              </a:tr>
-              <a:tr h="726203">
-                <a:tc>
-                  <a:txBody>
-                    <a:bodyPr/>
-                    <a:lstStyle/>
-                    <a:p>
-                      <a:pPr marL="0" indent="0" algn="l">
-                        <a:lnSpc>
-                          <a:spcPct val="150000"/>
-                        </a:lnSpc>
-                        <a:spcAft>
-                          <a:spcPts val="0"/>
-                        </a:spcAft>
-                      </a:pPr>
-                      <a:r>
-                        <a:rPr lang="en-US" sz="1600" b="1" dirty="0">
-                          <a:effectLst/>
-                        </a:rPr>
-                        <a:t>HPA*</a:t>
-                      </a:r>
-                      <a:endParaRPr lang="ru-RU" sz="1600" b="1" dirty="0">
-                        <a:effectLst/>
-                        <a:latin typeface="Times New Roman" panose="02020603050405020304" pitchFamily="18" charset="0"/>
-                        <a:ea typeface="Times New Roman" panose="02020603050405020304" pitchFamily="18" charset="0"/>
-                        <a:cs typeface="Times New Roman" panose="02020603050405020304" pitchFamily="18" charset="0"/>
-                      </a:endParaRPr>
-                    </a:p>
-                  </a:txBody>
-                  <a:tcPr marL="66602" marR="66602" marT="0" marB="0"/>
-                </a:tc>
-                <a:tc>
-                  <a:txBody>
-                    <a:bodyPr/>
-                    <a:lstStyle/>
-                    <a:p>
-                      <a:pPr marL="0" indent="0" algn="l">
-                        <a:lnSpc>
-                          <a:spcPct val="150000"/>
-                        </a:lnSpc>
-                        <a:spcAft>
-                          <a:spcPts val="0"/>
-                        </a:spcAft>
-                      </a:pPr>
-                      <a:r>
-                        <a:rPr lang="en-US" sz="1600" dirty="0">
-                          <a:effectLst/>
-                        </a:rPr>
-                        <a:t>454</a:t>
-                      </a:r>
-                      <a:endParaRPr lang="ru-RU" sz="1600" dirty="0">
-                        <a:effectLst/>
-                        <a:latin typeface="Times New Roman" panose="02020603050405020304" pitchFamily="18" charset="0"/>
-                        <a:ea typeface="Times New Roman" panose="02020603050405020304" pitchFamily="18" charset="0"/>
-                        <a:cs typeface="Times New Roman" panose="02020603050405020304" pitchFamily="18" charset="0"/>
-                      </a:endParaRPr>
-                    </a:p>
-                  </a:txBody>
-                  <a:tcPr marL="66602" marR="66602" marT="0" marB="0"/>
-                </a:tc>
-                <a:tc>
-                  <a:txBody>
-                    <a:bodyPr/>
-                    <a:lstStyle/>
-                    <a:p>
-                      <a:pPr marL="0" indent="0" algn="l">
-                        <a:lnSpc>
-                          <a:spcPct val="150000"/>
-                        </a:lnSpc>
-                        <a:spcAft>
-                          <a:spcPts val="0"/>
-                        </a:spcAft>
-                      </a:pPr>
-                      <a:r>
-                        <a:rPr lang="en-US" sz="1600" dirty="0">
-                          <a:effectLst/>
-                        </a:rPr>
-                        <a:t>1334</a:t>
-                      </a:r>
-                      <a:endParaRPr lang="ru-RU" sz="1600" dirty="0">
-                        <a:effectLst/>
-                        <a:latin typeface="Times New Roman" panose="02020603050405020304" pitchFamily="18" charset="0"/>
-                        <a:ea typeface="Times New Roman" panose="02020603050405020304" pitchFamily="18" charset="0"/>
-                        <a:cs typeface="Times New Roman" panose="02020603050405020304" pitchFamily="18" charset="0"/>
-                      </a:endParaRPr>
-                    </a:p>
-                  </a:txBody>
-                  <a:tcPr marL="66602" marR="66602" marT="0" marB="0"/>
-                </a:tc>
-                <a:tc>
-                  <a:txBody>
-                    <a:bodyPr/>
-                    <a:lstStyle/>
-                    <a:p>
-                      <a:pPr marL="0" indent="0" algn="l">
-                        <a:lnSpc>
-                          <a:spcPct val="150000"/>
-                        </a:lnSpc>
-                        <a:spcAft>
-                          <a:spcPts val="0"/>
-                        </a:spcAft>
-                      </a:pPr>
-                      <a:r>
-                        <a:rPr lang="en-US" sz="1600" dirty="0">
-                          <a:effectLst/>
-                        </a:rPr>
-                        <a:t>3551</a:t>
-                      </a:r>
-                      <a:endParaRPr lang="ru-RU" sz="1600" dirty="0">
-                        <a:effectLst/>
-                        <a:latin typeface="Times New Roman" panose="02020603050405020304" pitchFamily="18" charset="0"/>
-                        <a:ea typeface="Times New Roman" panose="02020603050405020304" pitchFamily="18" charset="0"/>
-                        <a:cs typeface="Times New Roman" panose="02020603050405020304" pitchFamily="18" charset="0"/>
-                      </a:endParaRPr>
-                    </a:p>
-                  </a:txBody>
-                  <a:tcPr marL="66602" marR="66602" marT="0" marB="0"/>
-                </a:tc>
-                <a:tc>
-                  <a:txBody>
-                    <a:bodyPr/>
-                    <a:lstStyle/>
-                    <a:p>
-                      <a:pPr marL="0" indent="0" algn="l">
-                        <a:lnSpc>
-                          <a:spcPct val="150000"/>
-                        </a:lnSpc>
-                        <a:spcAft>
-                          <a:spcPts val="0"/>
-                        </a:spcAft>
-                      </a:pPr>
-                      <a:r>
-                        <a:rPr lang="en-US" sz="1600" dirty="0">
-                          <a:effectLst/>
-                        </a:rPr>
-                        <a:t>10629</a:t>
-                      </a:r>
-                      <a:endParaRPr lang="ru-RU" sz="1600" dirty="0">
-                        <a:effectLst/>
-                        <a:latin typeface="Times New Roman" panose="02020603050405020304" pitchFamily="18" charset="0"/>
-                        <a:ea typeface="Times New Roman" panose="02020603050405020304" pitchFamily="18" charset="0"/>
-                        <a:cs typeface="Times New Roman" panose="02020603050405020304" pitchFamily="18" charset="0"/>
-                      </a:endParaRPr>
-                    </a:p>
-                  </a:txBody>
-                  <a:tcPr marL="66602" marR="66602" marT="0" marB="0"/>
-                </a:tc>
-                <a:tc>
-                  <a:txBody>
-                    <a:bodyPr/>
-                    <a:lstStyle/>
-                    <a:p>
-                      <a:pPr marL="0" indent="0" algn="l">
-                        <a:lnSpc>
-                          <a:spcPct val="150000"/>
-                        </a:lnSpc>
-                        <a:spcAft>
-                          <a:spcPts val="0"/>
-                        </a:spcAft>
-                      </a:pPr>
-                      <a:r>
-                        <a:rPr lang="en-US" sz="1600" dirty="0">
-                          <a:effectLst/>
-                        </a:rPr>
-                        <a:t>41491</a:t>
-                      </a:r>
-                      <a:endParaRPr lang="ru-RU" sz="1600" dirty="0">
-                        <a:effectLst/>
-                        <a:latin typeface="Times New Roman" panose="02020603050405020304" pitchFamily="18" charset="0"/>
-                        <a:ea typeface="Times New Roman" panose="02020603050405020304" pitchFamily="18" charset="0"/>
-                        <a:cs typeface="Times New Roman" panose="02020603050405020304" pitchFamily="18" charset="0"/>
-                      </a:endParaRPr>
-                    </a:p>
-                  </a:txBody>
-                  <a:tcPr marL="66602" marR="66602" marT="0" marB="0"/>
+                  <a:tcPr marL="54938" marR="54938" marT="0" marB="0"/>
                 </a:tc>
                 <a:tc>
                   <a:txBody>
@@ -5734,31 +5382,12 @@
                         <a:defRPr/>
                       </a:pPr>
                       <a:r>
-                        <a:rPr lang="ru-RU" sz="1600" dirty="0" smtClean="0">
+                        <a:rPr lang="ru-RU" sz="1300" dirty="0" smtClean="0">
                           <a:effectLst/>
                         </a:rPr>
-                        <a:t>Погрешность 1</a:t>
+                        <a:t>3173 ячеек</a:t>
                       </a:r>
-                      <a:r>
-                        <a:rPr lang="en-US" sz="1600" dirty="0" smtClean="0">
-                          <a:effectLst/>
-                        </a:rPr>
-                        <a:t>%</a:t>
-                      </a:r>
-                      <a:endParaRPr lang="ru-RU" sz="1600" dirty="0" smtClean="0">
-                        <a:effectLst/>
-                      </a:endParaRPr>
-                    </a:p>
-                    <a:p>
-                      <a:pPr marL="0" indent="0" algn="l">
-                        <a:lnSpc>
-                          <a:spcPct val="150000"/>
-                        </a:lnSpc>
-                        <a:spcAft>
-                          <a:spcPts val="0"/>
-                        </a:spcAft>
-                      </a:pPr>
-                      <a:endParaRPr lang="ru-RU" sz="1600" dirty="0">
+                      <a:endParaRPr lang="ru-RU" sz="1300" dirty="0" smtClean="0">
                         <a:effectLst/>
                         <a:latin typeface="Times New Roman" panose="02020603050405020304" pitchFamily="18" charset="0"/>
                         <a:ea typeface="Times New Roman" panose="02020603050405020304" pitchFamily="18" charset="0"/>
@@ -5766,201 +5395,7 @@
                       </a:endParaRPr>
                     </a:p>
                   </a:txBody>
-                  <a:tcPr marL="66602" marR="66602" marT="0" marB="0"/>
-                </a:tc>
-              </a:tr>
-              <a:tr h="1089304">
-                <a:tc>
-                  <a:txBody>
-                    <a:bodyPr/>
-                    <a:lstStyle/>
-                    <a:p>
-                      <a:pPr marL="0" indent="0" algn="l">
-                        <a:lnSpc>
-                          <a:spcPct val="150000"/>
-                        </a:lnSpc>
-                        <a:spcAft>
-                          <a:spcPts val="0"/>
-                        </a:spcAft>
-                      </a:pPr>
-                      <a:r>
-                        <a:rPr lang="ru-RU" sz="1600" b="1" dirty="0">
-                          <a:effectLst/>
-                        </a:rPr>
-                        <a:t>Лучший-первый</a:t>
-                      </a:r>
-                      <a:endParaRPr lang="ru-RU" sz="1600" b="1" dirty="0">
-                        <a:effectLst/>
-                        <a:latin typeface="Times New Roman" panose="02020603050405020304" pitchFamily="18" charset="0"/>
-                        <a:ea typeface="Times New Roman" panose="02020603050405020304" pitchFamily="18" charset="0"/>
-                        <a:cs typeface="Times New Roman" panose="02020603050405020304" pitchFamily="18" charset="0"/>
-                      </a:endParaRPr>
-                    </a:p>
-                  </a:txBody>
-                  <a:tcPr marL="66602" marR="66602" marT="0" marB="0"/>
-                </a:tc>
-                <a:tc>
-                  <a:txBody>
-                    <a:bodyPr/>
-                    <a:lstStyle/>
-                    <a:p>
-                      <a:pPr marL="0" indent="0" algn="ctr">
-                        <a:lnSpc>
-                          <a:spcPct val="150000"/>
-                        </a:lnSpc>
-                        <a:spcAft>
-                          <a:spcPts val="0"/>
-                        </a:spcAft>
-                      </a:pPr>
-                      <a:r>
-                        <a:rPr lang="ru-RU" sz="1600" dirty="0" smtClean="0">
-                          <a:effectLst/>
-                        </a:rPr>
-                        <a:t>-</a:t>
-                      </a:r>
-                      <a:endParaRPr lang="ru-RU" sz="1600" dirty="0">
-                        <a:effectLst/>
-                        <a:latin typeface="Times New Roman" panose="02020603050405020304" pitchFamily="18" charset="0"/>
-                        <a:ea typeface="Times New Roman" panose="02020603050405020304" pitchFamily="18" charset="0"/>
-                        <a:cs typeface="Times New Roman" panose="02020603050405020304" pitchFamily="18" charset="0"/>
-                      </a:endParaRPr>
-                    </a:p>
-                  </a:txBody>
-                  <a:tcPr marL="66602" marR="66602" marT="0" marB="0"/>
-                </a:tc>
-                <a:tc>
-                  <a:txBody>
-                    <a:bodyPr/>
-                    <a:lstStyle/>
-                    <a:p>
-                      <a:pPr marL="0" indent="0" algn="ctr">
-                        <a:lnSpc>
-                          <a:spcPct val="150000"/>
-                        </a:lnSpc>
-                        <a:spcAft>
-                          <a:spcPts val="0"/>
-                        </a:spcAft>
-                      </a:pPr>
-                      <a:r>
-                        <a:rPr lang="en-US" sz="1600" dirty="0">
-                          <a:effectLst/>
-                        </a:rPr>
-                        <a:t> </a:t>
-                      </a:r>
-                      <a:r>
-                        <a:rPr lang="ru-RU" sz="1600" dirty="0" smtClean="0">
-                          <a:effectLst/>
-                        </a:rPr>
-                        <a:t>-</a:t>
-                      </a:r>
-                      <a:endParaRPr lang="ru-RU" sz="1600" dirty="0">
-                        <a:effectLst/>
-                        <a:latin typeface="Times New Roman" panose="02020603050405020304" pitchFamily="18" charset="0"/>
-                        <a:ea typeface="Times New Roman" panose="02020603050405020304" pitchFamily="18" charset="0"/>
-                        <a:cs typeface="Times New Roman" panose="02020603050405020304" pitchFamily="18" charset="0"/>
-                      </a:endParaRPr>
-                    </a:p>
-                  </a:txBody>
-                  <a:tcPr marL="66602" marR="66602" marT="0" marB="0"/>
-                </a:tc>
-                <a:tc>
-                  <a:txBody>
-                    <a:bodyPr/>
-                    <a:lstStyle/>
-                    <a:p>
-                      <a:pPr marL="0" indent="0" algn="ctr">
-                        <a:lnSpc>
-                          <a:spcPct val="150000"/>
-                        </a:lnSpc>
-                        <a:spcAft>
-                          <a:spcPts val="0"/>
-                        </a:spcAft>
-                      </a:pPr>
-                      <a:r>
-                        <a:rPr lang="en-US" sz="1600" dirty="0">
-                          <a:effectLst/>
-                        </a:rPr>
-                        <a:t> </a:t>
-                      </a:r>
-                      <a:r>
-                        <a:rPr lang="ru-RU" sz="1600" dirty="0" smtClean="0">
-                          <a:effectLst/>
-                        </a:rPr>
-                        <a:t>-</a:t>
-                      </a:r>
-                      <a:endParaRPr lang="ru-RU" sz="1600" dirty="0">
-                        <a:effectLst/>
-                        <a:latin typeface="Times New Roman" panose="02020603050405020304" pitchFamily="18" charset="0"/>
-                        <a:ea typeface="Times New Roman" panose="02020603050405020304" pitchFamily="18" charset="0"/>
-                        <a:cs typeface="Times New Roman" panose="02020603050405020304" pitchFamily="18" charset="0"/>
-                      </a:endParaRPr>
-                    </a:p>
-                  </a:txBody>
-                  <a:tcPr marL="66602" marR="66602" marT="0" marB="0"/>
-                </a:tc>
-                <a:tc>
-                  <a:txBody>
-                    <a:bodyPr/>
-                    <a:lstStyle/>
-                    <a:p>
-                      <a:pPr marL="0" indent="0" algn="ctr">
-                        <a:lnSpc>
-                          <a:spcPct val="150000"/>
-                        </a:lnSpc>
-                        <a:spcAft>
-                          <a:spcPts val="0"/>
-                        </a:spcAft>
-                      </a:pPr>
-                      <a:r>
-                        <a:rPr lang="en-US" sz="1600" dirty="0">
-                          <a:effectLst/>
-                        </a:rPr>
-                        <a:t> </a:t>
-                      </a:r>
-                      <a:r>
-                        <a:rPr lang="ru-RU" sz="1600" dirty="0" smtClean="0">
-                          <a:effectLst/>
-                        </a:rPr>
-                        <a:t>-</a:t>
-                      </a:r>
-                      <a:endParaRPr lang="ru-RU" sz="1600" dirty="0">
-                        <a:effectLst/>
-                        <a:latin typeface="Times New Roman" panose="02020603050405020304" pitchFamily="18" charset="0"/>
-                        <a:ea typeface="Times New Roman" panose="02020603050405020304" pitchFamily="18" charset="0"/>
-                        <a:cs typeface="Times New Roman" panose="02020603050405020304" pitchFamily="18" charset="0"/>
-                      </a:endParaRPr>
-                    </a:p>
-                  </a:txBody>
-                  <a:tcPr marL="66602" marR="66602" marT="0" marB="0"/>
-                </a:tc>
-                <a:tc>
-                  <a:txBody>
-                    <a:bodyPr/>
-                    <a:lstStyle/>
-                    <a:p>
-                      <a:pPr marL="0" indent="0" algn="l">
-                        <a:lnSpc>
-                          <a:spcPct val="150000"/>
-                        </a:lnSpc>
-                        <a:spcAft>
-                          <a:spcPts val="0"/>
-                        </a:spcAft>
-                      </a:pPr>
-                      <a:r>
-                        <a:rPr lang="ru-RU" sz="1600" dirty="0">
-                          <a:effectLst/>
-                        </a:rPr>
-                        <a:t>1786</a:t>
-                      </a:r>
-                      <a:endParaRPr lang="ru-RU" sz="1600" dirty="0">
-                        <a:effectLst/>
-                        <a:latin typeface="Times New Roman" panose="02020603050405020304" pitchFamily="18" charset="0"/>
-                        <a:ea typeface="Times New Roman" panose="02020603050405020304" pitchFamily="18" charset="0"/>
-                        <a:cs typeface="Times New Roman" panose="02020603050405020304" pitchFamily="18" charset="0"/>
-                      </a:endParaRPr>
-                    </a:p>
-                  </a:txBody>
-                  <a:tcPr marL="66602" marR="66602" marT="0" marB="0"/>
+                  <a:tcPr marL="54938" marR="54938" marT="0" marB="0"/>
                 </a:tc>
                 <a:tc>
                   <a:txBody>
@@ -5985,7 +5420,928 @@
                         <a:defRPr/>
                       </a:pPr>
                       <a:r>
-                        <a:rPr lang="ru-RU" sz="1600" dirty="0" smtClean="0">
+                        <a:rPr lang="ru-RU" sz="1300" dirty="0" smtClean="0">
+                          <a:effectLst/>
+                        </a:rPr>
+                        <a:t>13058 ячеек</a:t>
+                      </a:r>
+                      <a:endParaRPr lang="ru-RU" sz="1300" dirty="0" smtClean="0">
+                        <a:effectLst/>
+                        <a:latin typeface="Times New Roman" panose="02020603050405020304" pitchFamily="18" charset="0"/>
+                        <a:ea typeface="Times New Roman" panose="02020603050405020304" pitchFamily="18" charset="0"/>
+                        <a:cs typeface="Times New Roman" panose="02020603050405020304" pitchFamily="18" charset="0"/>
+                      </a:endParaRPr>
+                    </a:p>
+                    <a:p>
+                      <a:pPr marL="0" indent="0" algn="l">
+                        <a:lnSpc>
+                          <a:spcPct val="150000"/>
+                        </a:lnSpc>
+                        <a:spcAft>
+                          <a:spcPts val="0"/>
+                        </a:spcAft>
+                      </a:pPr>
+                      <a:endParaRPr lang="ru-RU" sz="1300" dirty="0">
+                        <a:effectLst/>
+                        <a:latin typeface="Times New Roman" panose="02020603050405020304" pitchFamily="18" charset="0"/>
+                        <a:ea typeface="Times New Roman" panose="02020603050405020304" pitchFamily="18" charset="0"/>
+                        <a:cs typeface="Times New Roman" panose="02020603050405020304" pitchFamily="18" charset="0"/>
+                      </a:endParaRPr>
+                    </a:p>
+                  </a:txBody>
+                  <a:tcPr marL="54938" marR="54938" marT="0" marB="0"/>
+                </a:tc>
+                <a:tc>
+                  <a:txBody>
+                    <a:bodyPr/>
+                    <a:lstStyle/>
+                    <a:p>
+                      <a:pPr marL="0" marR="0" lvl="0" indent="0" algn="l" defTabSz="914400" rtl="0" eaLnBrk="1" fontAlgn="auto" latinLnBrk="0" hangingPunct="1">
+                        <a:lnSpc>
+                          <a:spcPct val="150000"/>
+                        </a:lnSpc>
+                        <a:spcBef>
+                          <a:spcPts val="0"/>
+                        </a:spcBef>
+                        <a:spcAft>
+                          <a:spcPts val="0"/>
+                        </a:spcAft>
+                        <a:buClrTx/>
+                        <a:buSzTx/>
+                        <a:buFontTx/>
+                        <a:buNone/>
+                        <a:tabLst/>
+                        <a:defRPr/>
+                      </a:pPr>
+                      <a:r>
+                        <a:rPr lang="ru-RU" sz="1300" dirty="0" smtClean="0">
+                          <a:effectLst/>
+                        </a:rPr>
+                        <a:t>52068 ячеек</a:t>
+                      </a:r>
+                      <a:endParaRPr lang="ru-RU" sz="1300" dirty="0" smtClean="0">
+                        <a:effectLst/>
+                        <a:latin typeface="Times New Roman" panose="02020603050405020304" pitchFamily="18" charset="0"/>
+                        <a:ea typeface="Times New Roman" panose="02020603050405020304" pitchFamily="18" charset="0"/>
+                        <a:cs typeface="Times New Roman" panose="02020603050405020304" pitchFamily="18" charset="0"/>
+                      </a:endParaRPr>
+                    </a:p>
+                    <a:p>
+                      <a:pPr marL="0" indent="0" algn="l">
+                        <a:lnSpc>
+                          <a:spcPct val="150000"/>
+                        </a:lnSpc>
+                        <a:spcAft>
+                          <a:spcPts val="0"/>
+                        </a:spcAft>
+                      </a:pPr>
+                      <a:endParaRPr lang="ru-RU" sz="1300" dirty="0">
+                        <a:effectLst/>
+                        <a:latin typeface="Times New Roman" panose="02020603050405020304" pitchFamily="18" charset="0"/>
+                        <a:ea typeface="Times New Roman" panose="02020603050405020304" pitchFamily="18" charset="0"/>
+                        <a:cs typeface="Times New Roman" panose="02020603050405020304" pitchFamily="18" charset="0"/>
+                      </a:endParaRPr>
+                    </a:p>
+                  </a:txBody>
+                  <a:tcPr marL="54938" marR="54938" marT="0" marB="0"/>
+                </a:tc>
+                <a:tc>
+                  <a:txBody>
+                    <a:bodyPr/>
+                    <a:lstStyle/>
+                    <a:p>
+                      <a:pPr marL="0" marR="0" lvl="0" indent="0" algn="l" defTabSz="914400" rtl="0" eaLnBrk="1" fontAlgn="auto" latinLnBrk="0" hangingPunct="1">
+                        <a:lnSpc>
+                          <a:spcPct val="150000"/>
+                        </a:lnSpc>
+                        <a:spcBef>
+                          <a:spcPts val="0"/>
+                        </a:spcBef>
+                        <a:spcAft>
+                          <a:spcPts val="0"/>
+                        </a:spcAft>
+                        <a:buClrTx/>
+                        <a:buSzTx/>
+                        <a:buFontTx/>
+                        <a:buNone/>
+                        <a:tabLst/>
+                        <a:defRPr/>
+                      </a:pPr>
+                      <a:r>
+                        <a:rPr lang="ru-RU" sz="1300" dirty="0" smtClean="0">
+                          <a:effectLst/>
+                        </a:rPr>
+                        <a:t>209251 ячеек</a:t>
+                      </a:r>
+                      <a:endParaRPr lang="ru-RU" sz="1300" dirty="0" smtClean="0">
+                        <a:effectLst/>
+                        <a:latin typeface="Times New Roman" panose="02020603050405020304" pitchFamily="18" charset="0"/>
+                        <a:ea typeface="Times New Roman" panose="02020603050405020304" pitchFamily="18" charset="0"/>
+                        <a:cs typeface="Times New Roman" panose="02020603050405020304" pitchFamily="18" charset="0"/>
+                      </a:endParaRPr>
+                    </a:p>
+                    <a:p>
+                      <a:pPr marL="0" indent="0" algn="l">
+                        <a:lnSpc>
+                          <a:spcPct val="150000"/>
+                        </a:lnSpc>
+                        <a:spcAft>
+                          <a:spcPts val="0"/>
+                        </a:spcAft>
+                      </a:pPr>
+                      <a:endParaRPr lang="ru-RU" sz="1300" dirty="0">
+                        <a:effectLst/>
+                        <a:latin typeface="Times New Roman" panose="02020603050405020304" pitchFamily="18" charset="0"/>
+                        <a:ea typeface="Times New Roman" panose="02020603050405020304" pitchFamily="18" charset="0"/>
+                        <a:cs typeface="Times New Roman" panose="02020603050405020304" pitchFamily="18" charset="0"/>
+                      </a:endParaRPr>
+                    </a:p>
+                  </a:txBody>
+                  <a:tcPr marL="54938" marR="54938" marT="0" marB="0"/>
+                </a:tc>
+                <a:tc>
+                  <a:txBody>
+                    <a:bodyPr/>
+                    <a:lstStyle/>
+                    <a:p>
+                      <a:pPr marL="0" marR="0" lvl="0" indent="0" algn="l" defTabSz="914400" rtl="0" eaLnBrk="1" fontAlgn="auto" latinLnBrk="0" hangingPunct="1">
+                        <a:lnSpc>
+                          <a:spcPct val="150000"/>
+                        </a:lnSpc>
+                        <a:spcBef>
+                          <a:spcPts val="0"/>
+                        </a:spcBef>
+                        <a:spcAft>
+                          <a:spcPts val="0"/>
+                        </a:spcAft>
+                        <a:buClrTx/>
+                        <a:buSzTx/>
+                        <a:buFontTx/>
+                        <a:buNone/>
+                        <a:tabLst/>
+                        <a:defRPr/>
+                      </a:pPr>
+                      <a:r>
+                        <a:rPr lang="ru-RU" sz="1300" dirty="0" smtClean="0">
+                          <a:effectLst/>
+                        </a:rPr>
+                        <a:t>836977 ячеек</a:t>
+                      </a:r>
+                      <a:endParaRPr lang="ru-RU" sz="1300" dirty="0" smtClean="0">
+                        <a:effectLst/>
+                        <a:latin typeface="Times New Roman" panose="02020603050405020304" pitchFamily="18" charset="0"/>
+                        <a:ea typeface="Times New Roman" panose="02020603050405020304" pitchFamily="18" charset="0"/>
+                        <a:cs typeface="Times New Roman" panose="02020603050405020304" pitchFamily="18" charset="0"/>
+                      </a:endParaRPr>
+                    </a:p>
+                  </a:txBody>
+                  <a:tcPr marL="54938" marR="54938" marT="0" marB="0"/>
+                </a:tc>
+                <a:tc>
+                  <a:txBody>
+                    <a:bodyPr/>
+                    <a:lstStyle/>
+                    <a:p>
+                      <a:pPr marL="0" indent="0" algn="l">
+                        <a:lnSpc>
+                          <a:spcPct val="150000"/>
+                        </a:lnSpc>
+                        <a:spcAft>
+                          <a:spcPts val="0"/>
+                        </a:spcAft>
+                      </a:pPr>
+                      <a:r>
+                        <a:rPr lang="ru-RU" sz="1300" dirty="0" smtClean="0">
+                          <a:effectLst/>
+                        </a:rPr>
+                        <a:t>Точный</a:t>
+                      </a:r>
+                      <a:endParaRPr lang="ru-RU" sz="1300" dirty="0">
+                        <a:effectLst/>
+                        <a:latin typeface="Times New Roman" panose="02020603050405020304" pitchFamily="18" charset="0"/>
+                        <a:ea typeface="Times New Roman" panose="02020603050405020304" pitchFamily="18" charset="0"/>
+                        <a:cs typeface="Times New Roman" panose="02020603050405020304" pitchFamily="18" charset="0"/>
+                      </a:endParaRPr>
+                    </a:p>
+                  </a:txBody>
+                  <a:tcPr marL="54938" marR="54938" marT="0" marB="0"/>
+                </a:tc>
+              </a:tr>
+              <a:tr h="571144">
+                <a:tc>
+                  <a:txBody>
+                    <a:bodyPr/>
+                    <a:lstStyle/>
+                    <a:p>
+                      <a:pPr marL="0" indent="0" algn="l">
+                        <a:lnSpc>
+                          <a:spcPct val="150000"/>
+                        </a:lnSpc>
+                        <a:spcAft>
+                          <a:spcPts val="0"/>
+                        </a:spcAft>
+                      </a:pPr>
+                      <a:r>
+                        <a:rPr lang="en-US" sz="1300" b="1" dirty="0">
+                          <a:effectLst/>
+                        </a:rPr>
+                        <a:t>A*</a:t>
+                      </a:r>
+                      <a:endParaRPr lang="ru-RU" sz="1300" b="1" dirty="0">
+                        <a:effectLst/>
+                        <a:latin typeface="Times New Roman" panose="02020603050405020304" pitchFamily="18" charset="0"/>
+                        <a:ea typeface="Times New Roman" panose="02020603050405020304" pitchFamily="18" charset="0"/>
+                        <a:cs typeface="Times New Roman" panose="02020603050405020304" pitchFamily="18" charset="0"/>
+                      </a:endParaRPr>
+                    </a:p>
+                  </a:txBody>
+                  <a:tcPr marL="54938" marR="54938" marT="0" marB="0"/>
+                </a:tc>
+                <a:tc>
+                  <a:txBody>
+                    <a:bodyPr/>
+                    <a:lstStyle/>
+                    <a:p>
+                      <a:pPr marL="0" indent="0" algn="l">
+                        <a:lnSpc>
+                          <a:spcPct val="150000"/>
+                        </a:lnSpc>
+                        <a:spcAft>
+                          <a:spcPts val="0"/>
+                        </a:spcAft>
+                      </a:pPr>
+                      <a:r>
+                        <a:rPr lang="en-US" sz="1300" dirty="0" smtClean="0">
+                          <a:effectLst/>
+                        </a:rPr>
+                        <a:t>623</a:t>
+                      </a:r>
+                      <a:r>
+                        <a:rPr lang="ru-RU" sz="1300" dirty="0" smtClean="0">
+                          <a:effectLst/>
+                        </a:rPr>
+                        <a:t> ячеек</a:t>
+                      </a:r>
+                      <a:endParaRPr lang="ru-RU" sz="1300" dirty="0">
+                        <a:effectLst/>
+                        <a:latin typeface="Times New Roman" panose="02020603050405020304" pitchFamily="18" charset="0"/>
+                        <a:ea typeface="Times New Roman" panose="02020603050405020304" pitchFamily="18" charset="0"/>
+                        <a:cs typeface="Times New Roman" panose="02020603050405020304" pitchFamily="18" charset="0"/>
+                      </a:endParaRPr>
+                    </a:p>
+                  </a:txBody>
+                  <a:tcPr marL="54938" marR="54938" marT="0" marB="0"/>
+                </a:tc>
+                <a:tc>
+                  <a:txBody>
+                    <a:bodyPr/>
+                    <a:lstStyle/>
+                    <a:p>
+                      <a:pPr marL="0" indent="0" algn="l">
+                        <a:lnSpc>
+                          <a:spcPct val="150000"/>
+                        </a:lnSpc>
+                        <a:spcAft>
+                          <a:spcPts val="0"/>
+                        </a:spcAft>
+                      </a:pPr>
+                      <a:r>
+                        <a:rPr lang="en-US" sz="1300" dirty="0" smtClean="0">
+                          <a:effectLst/>
+                        </a:rPr>
+                        <a:t>1576</a:t>
+                      </a:r>
+                      <a:r>
+                        <a:rPr lang="ru-RU" sz="1300" dirty="0" smtClean="0">
+                          <a:effectLst/>
+                        </a:rPr>
+                        <a:t> ячеек</a:t>
+                      </a:r>
+                      <a:endParaRPr lang="ru-RU" sz="1300" dirty="0">
+                        <a:effectLst/>
+                        <a:latin typeface="Times New Roman" panose="02020603050405020304" pitchFamily="18" charset="0"/>
+                        <a:ea typeface="Times New Roman" panose="02020603050405020304" pitchFamily="18" charset="0"/>
+                        <a:cs typeface="Times New Roman" panose="02020603050405020304" pitchFamily="18" charset="0"/>
+                      </a:endParaRPr>
+                    </a:p>
+                  </a:txBody>
+                  <a:tcPr marL="54938" marR="54938" marT="0" marB="0"/>
+                </a:tc>
+                <a:tc>
+                  <a:txBody>
+                    <a:bodyPr/>
+                    <a:lstStyle/>
+                    <a:p>
+                      <a:pPr marL="0" indent="0" algn="l">
+                        <a:lnSpc>
+                          <a:spcPct val="150000"/>
+                        </a:lnSpc>
+                        <a:spcAft>
+                          <a:spcPts val="0"/>
+                        </a:spcAft>
+                      </a:pPr>
+                      <a:r>
+                        <a:rPr lang="en-US" sz="1300" dirty="0" smtClean="0">
+                          <a:effectLst/>
+                        </a:rPr>
+                        <a:t>8071</a:t>
+                      </a:r>
+                      <a:r>
+                        <a:rPr lang="ru-RU" sz="1300" dirty="0" smtClean="0">
+                          <a:effectLst/>
+                        </a:rPr>
+                        <a:t> ячеек</a:t>
+                      </a:r>
+                      <a:endParaRPr lang="ru-RU" sz="1300" dirty="0">
+                        <a:effectLst/>
+                        <a:latin typeface="Times New Roman" panose="02020603050405020304" pitchFamily="18" charset="0"/>
+                        <a:ea typeface="Times New Roman" panose="02020603050405020304" pitchFamily="18" charset="0"/>
+                        <a:cs typeface="Times New Roman" panose="02020603050405020304" pitchFamily="18" charset="0"/>
+                      </a:endParaRPr>
+                    </a:p>
+                  </a:txBody>
+                  <a:tcPr marL="54938" marR="54938" marT="0" marB="0"/>
+                </a:tc>
+                <a:tc>
+                  <a:txBody>
+                    <a:bodyPr/>
+                    <a:lstStyle/>
+                    <a:p>
+                      <a:pPr marL="0" indent="0" algn="l">
+                        <a:lnSpc>
+                          <a:spcPct val="150000"/>
+                        </a:lnSpc>
+                        <a:spcAft>
+                          <a:spcPts val="0"/>
+                        </a:spcAft>
+                      </a:pPr>
+                      <a:r>
+                        <a:rPr lang="en-US" sz="1300" dirty="0" smtClean="0">
+                          <a:effectLst/>
+                        </a:rPr>
+                        <a:t>40333</a:t>
+                      </a:r>
+                      <a:r>
+                        <a:rPr lang="ru-RU" sz="1300" dirty="0" smtClean="0">
+                          <a:effectLst/>
+                        </a:rPr>
+                        <a:t> ячеек</a:t>
+                      </a:r>
+                      <a:endParaRPr lang="ru-RU" sz="1300" dirty="0">
+                        <a:effectLst/>
+                        <a:latin typeface="Times New Roman" panose="02020603050405020304" pitchFamily="18" charset="0"/>
+                        <a:ea typeface="Times New Roman" panose="02020603050405020304" pitchFamily="18" charset="0"/>
+                        <a:cs typeface="Times New Roman" panose="02020603050405020304" pitchFamily="18" charset="0"/>
+                      </a:endParaRPr>
+                    </a:p>
+                  </a:txBody>
+                  <a:tcPr marL="54938" marR="54938" marT="0" marB="0"/>
+                </a:tc>
+                <a:tc>
+                  <a:txBody>
+                    <a:bodyPr/>
+                    <a:lstStyle/>
+                    <a:p>
+                      <a:pPr marL="0" indent="0" algn="l">
+                        <a:lnSpc>
+                          <a:spcPct val="150000"/>
+                        </a:lnSpc>
+                        <a:spcAft>
+                          <a:spcPts val="0"/>
+                        </a:spcAft>
+                      </a:pPr>
+                      <a:r>
+                        <a:rPr lang="en-US" sz="1300" dirty="0" smtClean="0">
+                          <a:effectLst/>
+                        </a:rPr>
+                        <a:t>104109</a:t>
+                      </a:r>
+                      <a:r>
+                        <a:rPr lang="ru-RU" sz="1300" dirty="0" smtClean="0">
+                          <a:effectLst/>
+                        </a:rPr>
+                        <a:t> ячеек</a:t>
+                      </a:r>
+                      <a:endParaRPr lang="ru-RU" sz="1300" dirty="0">
+                        <a:effectLst/>
+                        <a:latin typeface="Times New Roman" panose="02020603050405020304" pitchFamily="18" charset="0"/>
+                        <a:ea typeface="Times New Roman" panose="02020603050405020304" pitchFamily="18" charset="0"/>
+                        <a:cs typeface="Times New Roman" panose="02020603050405020304" pitchFamily="18" charset="0"/>
+                      </a:endParaRPr>
+                    </a:p>
+                  </a:txBody>
+                  <a:tcPr marL="54938" marR="54938" marT="0" marB="0"/>
+                </a:tc>
+                <a:tc>
+                  <a:txBody>
+                    <a:bodyPr/>
+                    <a:lstStyle/>
+                    <a:p>
+                      <a:pPr marL="0" indent="0" algn="l">
+                        <a:lnSpc>
+                          <a:spcPct val="150000"/>
+                        </a:lnSpc>
+                        <a:spcAft>
+                          <a:spcPts val="0"/>
+                        </a:spcAft>
+                      </a:pPr>
+                      <a:r>
+                        <a:rPr lang="ru-RU" sz="1300" dirty="0" smtClean="0">
+                          <a:effectLst/>
+                        </a:rPr>
+                        <a:t>Точный</a:t>
+                      </a:r>
+                      <a:endParaRPr lang="ru-RU" sz="1300" dirty="0">
+                        <a:effectLst/>
+                        <a:latin typeface="Times New Roman" panose="02020603050405020304" pitchFamily="18" charset="0"/>
+                        <a:ea typeface="Times New Roman" panose="02020603050405020304" pitchFamily="18" charset="0"/>
+                        <a:cs typeface="Times New Roman" panose="02020603050405020304" pitchFamily="18" charset="0"/>
+                      </a:endParaRPr>
+                    </a:p>
+                  </a:txBody>
+                  <a:tcPr marL="54938" marR="54938" marT="0" marB="0"/>
+                </a:tc>
+              </a:tr>
+              <a:tr h="603410">
+                <a:tc>
+                  <a:txBody>
+                    <a:bodyPr/>
+                    <a:lstStyle/>
+                    <a:p>
+                      <a:pPr marL="0" indent="0" algn="l">
+                        <a:lnSpc>
+                          <a:spcPct val="150000"/>
+                        </a:lnSpc>
+                        <a:spcAft>
+                          <a:spcPts val="0"/>
+                        </a:spcAft>
+                      </a:pPr>
+                      <a:r>
+                        <a:rPr lang="en-US" sz="1300" b="1" dirty="0">
+                          <a:effectLst/>
+                        </a:rPr>
+                        <a:t>HPA*</a:t>
+                      </a:r>
+                      <a:endParaRPr lang="ru-RU" sz="1300" b="1" dirty="0">
+                        <a:effectLst/>
+                        <a:latin typeface="Times New Roman" panose="02020603050405020304" pitchFamily="18" charset="0"/>
+                        <a:ea typeface="Times New Roman" panose="02020603050405020304" pitchFamily="18" charset="0"/>
+                        <a:cs typeface="Times New Roman" panose="02020603050405020304" pitchFamily="18" charset="0"/>
+                      </a:endParaRPr>
+                    </a:p>
+                  </a:txBody>
+                  <a:tcPr marL="54938" marR="54938" marT="0" marB="0"/>
+                </a:tc>
+                <a:tc>
+                  <a:txBody>
+                    <a:bodyPr/>
+                    <a:lstStyle/>
+                    <a:p>
+                      <a:pPr marL="0" indent="0" algn="l">
+                        <a:lnSpc>
+                          <a:spcPct val="150000"/>
+                        </a:lnSpc>
+                        <a:spcAft>
+                          <a:spcPts val="0"/>
+                        </a:spcAft>
+                      </a:pPr>
+                      <a:r>
+                        <a:rPr lang="en-US" sz="1300" dirty="0" smtClean="0">
+                          <a:effectLst/>
+                        </a:rPr>
+                        <a:t>454</a:t>
+                      </a:r>
+                      <a:r>
+                        <a:rPr lang="ru-RU" sz="1300" dirty="0" smtClean="0">
+                          <a:effectLst/>
+                        </a:rPr>
+                        <a:t> ячеек</a:t>
+                      </a:r>
+                      <a:endParaRPr lang="ru-RU" sz="1300" dirty="0">
+                        <a:effectLst/>
+                        <a:latin typeface="Times New Roman" panose="02020603050405020304" pitchFamily="18" charset="0"/>
+                        <a:ea typeface="Times New Roman" panose="02020603050405020304" pitchFamily="18" charset="0"/>
+                        <a:cs typeface="Times New Roman" panose="02020603050405020304" pitchFamily="18" charset="0"/>
+                      </a:endParaRPr>
+                    </a:p>
+                  </a:txBody>
+                  <a:tcPr marL="54938" marR="54938" marT="0" marB="0"/>
+                </a:tc>
+                <a:tc>
+                  <a:txBody>
+                    <a:bodyPr/>
+                    <a:lstStyle/>
+                    <a:p>
+                      <a:pPr marL="0" indent="0" algn="l">
+                        <a:lnSpc>
+                          <a:spcPct val="150000"/>
+                        </a:lnSpc>
+                        <a:spcAft>
+                          <a:spcPts val="0"/>
+                        </a:spcAft>
+                      </a:pPr>
+                      <a:r>
+                        <a:rPr lang="en-US" sz="1300" dirty="0" smtClean="0">
+                          <a:effectLst/>
+                        </a:rPr>
+                        <a:t>1334</a:t>
+                      </a:r>
+                      <a:r>
+                        <a:rPr lang="ru-RU" sz="1300" dirty="0" smtClean="0">
+                          <a:effectLst/>
+                        </a:rPr>
+                        <a:t> ячеек</a:t>
+                      </a:r>
+                      <a:endParaRPr lang="ru-RU" sz="1300" dirty="0">
+                        <a:effectLst/>
+                        <a:latin typeface="Times New Roman" panose="02020603050405020304" pitchFamily="18" charset="0"/>
+                        <a:ea typeface="Times New Roman" panose="02020603050405020304" pitchFamily="18" charset="0"/>
+                        <a:cs typeface="Times New Roman" panose="02020603050405020304" pitchFamily="18" charset="0"/>
+                      </a:endParaRPr>
+                    </a:p>
+                  </a:txBody>
+                  <a:tcPr marL="54938" marR="54938" marT="0" marB="0"/>
+                </a:tc>
+                <a:tc>
+                  <a:txBody>
+                    <a:bodyPr/>
+                    <a:lstStyle/>
+                    <a:p>
+                      <a:pPr marL="0" indent="0" algn="l">
+                        <a:lnSpc>
+                          <a:spcPct val="150000"/>
+                        </a:lnSpc>
+                        <a:spcAft>
+                          <a:spcPts val="0"/>
+                        </a:spcAft>
+                      </a:pPr>
+                      <a:r>
+                        <a:rPr lang="en-US" sz="1300" dirty="0" smtClean="0">
+                          <a:effectLst/>
+                        </a:rPr>
+                        <a:t>3551</a:t>
+                      </a:r>
+                      <a:r>
+                        <a:rPr lang="ru-RU" sz="1300" dirty="0" smtClean="0">
+                          <a:effectLst/>
+                        </a:rPr>
+                        <a:t> ячеек</a:t>
+                      </a:r>
+                      <a:endParaRPr lang="ru-RU" sz="1300" dirty="0">
+                        <a:effectLst/>
+                        <a:latin typeface="Times New Roman" panose="02020603050405020304" pitchFamily="18" charset="0"/>
+                        <a:ea typeface="Times New Roman" panose="02020603050405020304" pitchFamily="18" charset="0"/>
+                        <a:cs typeface="Times New Roman" panose="02020603050405020304" pitchFamily="18" charset="0"/>
+                      </a:endParaRPr>
+                    </a:p>
+                  </a:txBody>
+                  <a:tcPr marL="54938" marR="54938" marT="0" marB="0"/>
+                </a:tc>
+                <a:tc>
+                  <a:txBody>
+                    <a:bodyPr/>
+                    <a:lstStyle/>
+                    <a:p>
+                      <a:pPr marL="0" indent="0" algn="l">
+                        <a:lnSpc>
+                          <a:spcPct val="150000"/>
+                        </a:lnSpc>
+                        <a:spcAft>
+                          <a:spcPts val="0"/>
+                        </a:spcAft>
+                      </a:pPr>
+                      <a:r>
+                        <a:rPr lang="en-US" sz="1300" dirty="0" smtClean="0">
+                          <a:effectLst/>
+                        </a:rPr>
+                        <a:t>10629</a:t>
+                      </a:r>
+                      <a:r>
+                        <a:rPr lang="ru-RU" sz="1300" dirty="0" smtClean="0">
+                          <a:effectLst/>
+                        </a:rPr>
+                        <a:t> ячеек</a:t>
+                      </a:r>
+                      <a:endParaRPr lang="ru-RU" sz="1300" dirty="0">
+                        <a:effectLst/>
+                        <a:latin typeface="Times New Roman" panose="02020603050405020304" pitchFamily="18" charset="0"/>
+                        <a:ea typeface="Times New Roman" panose="02020603050405020304" pitchFamily="18" charset="0"/>
+                        <a:cs typeface="Times New Roman" panose="02020603050405020304" pitchFamily="18" charset="0"/>
+                      </a:endParaRPr>
+                    </a:p>
+                  </a:txBody>
+                  <a:tcPr marL="54938" marR="54938" marT="0" marB="0"/>
+                </a:tc>
+                <a:tc>
+                  <a:txBody>
+                    <a:bodyPr/>
+                    <a:lstStyle/>
+                    <a:p>
+                      <a:pPr marL="0" indent="0" algn="l">
+                        <a:lnSpc>
+                          <a:spcPct val="150000"/>
+                        </a:lnSpc>
+                        <a:spcAft>
+                          <a:spcPts val="0"/>
+                        </a:spcAft>
+                      </a:pPr>
+                      <a:r>
+                        <a:rPr lang="en-US" sz="1300" dirty="0" smtClean="0">
+                          <a:effectLst/>
+                        </a:rPr>
+                        <a:t>41491</a:t>
+                      </a:r>
+                      <a:r>
+                        <a:rPr lang="ru-RU" sz="1300" dirty="0" smtClean="0">
+                          <a:effectLst/>
+                        </a:rPr>
+                        <a:t> ячеек</a:t>
+                      </a:r>
+                      <a:endParaRPr lang="ru-RU" sz="1300" dirty="0">
+                        <a:effectLst/>
+                        <a:latin typeface="Times New Roman" panose="02020603050405020304" pitchFamily="18" charset="0"/>
+                        <a:ea typeface="Times New Roman" panose="02020603050405020304" pitchFamily="18" charset="0"/>
+                        <a:cs typeface="Times New Roman" panose="02020603050405020304" pitchFamily="18" charset="0"/>
+                      </a:endParaRPr>
+                    </a:p>
+                  </a:txBody>
+                  <a:tcPr marL="54938" marR="54938" marT="0" marB="0"/>
+                </a:tc>
+                <a:tc>
+                  <a:txBody>
+                    <a:bodyPr/>
+                    <a:lstStyle/>
+                    <a:p>
+                      <a:pPr marL="0" marR="0" lvl="0" indent="0" algn="l" defTabSz="914400" rtl="0" eaLnBrk="1" fontAlgn="auto" latinLnBrk="0" hangingPunct="1">
+                        <a:lnSpc>
+                          <a:spcPct val="150000"/>
+                        </a:lnSpc>
+                        <a:spcBef>
+                          <a:spcPts val="0"/>
+                        </a:spcBef>
+                        <a:spcAft>
+                          <a:spcPts val="0"/>
+                        </a:spcAft>
+                        <a:buClrTx/>
+                        <a:buSzTx/>
+                        <a:buFontTx/>
+                        <a:buNone/>
+                        <a:tabLst/>
+                        <a:defRPr/>
+                      </a:pPr>
+                      <a:r>
+                        <a:rPr lang="ru-RU" sz="1300" dirty="0" smtClean="0">
+                          <a:effectLst/>
+                        </a:rPr>
+                        <a:t>Погрешность 1</a:t>
+                      </a:r>
+                      <a:r>
+                        <a:rPr lang="en-US" sz="1300" dirty="0" smtClean="0">
+                          <a:effectLst/>
+                        </a:rPr>
+                        <a:t>%</a:t>
+                      </a:r>
+                      <a:endParaRPr lang="ru-RU" sz="1300" dirty="0" smtClean="0">
+                        <a:effectLst/>
+                      </a:endParaRPr>
+                    </a:p>
+                    <a:p>
+                      <a:pPr marL="0" indent="0" algn="l">
+                        <a:lnSpc>
+                          <a:spcPct val="150000"/>
+                        </a:lnSpc>
+                        <a:spcAft>
+                          <a:spcPts val="0"/>
+                        </a:spcAft>
+                      </a:pPr>
+                      <a:endParaRPr lang="ru-RU" sz="1300" dirty="0">
+                        <a:effectLst/>
+                        <a:latin typeface="Times New Roman" panose="02020603050405020304" pitchFamily="18" charset="0"/>
+                        <a:ea typeface="Times New Roman" panose="02020603050405020304" pitchFamily="18" charset="0"/>
+                        <a:cs typeface="Times New Roman" panose="02020603050405020304" pitchFamily="18" charset="0"/>
+                      </a:endParaRPr>
+                    </a:p>
+                  </a:txBody>
+                  <a:tcPr marL="54938" marR="54938" marT="0" marB="0"/>
+                </a:tc>
+              </a:tr>
+              <a:tr h="905114">
+                <a:tc>
+                  <a:txBody>
+                    <a:bodyPr/>
+                    <a:lstStyle/>
+                    <a:p>
+                      <a:pPr marL="0" indent="0" algn="l">
+                        <a:lnSpc>
+                          <a:spcPct val="150000"/>
+                        </a:lnSpc>
+                        <a:spcAft>
+                          <a:spcPts val="0"/>
+                        </a:spcAft>
+                      </a:pPr>
+                      <a:r>
+                        <a:rPr lang="ru-RU" sz="1300" b="1" dirty="0">
+                          <a:effectLst/>
+                        </a:rPr>
+                        <a:t>Лучший-первый</a:t>
+                      </a:r>
+                      <a:endParaRPr lang="ru-RU" sz="1300" b="1" dirty="0">
+                        <a:effectLst/>
+                        <a:latin typeface="Times New Roman" panose="02020603050405020304" pitchFamily="18" charset="0"/>
+                        <a:ea typeface="Times New Roman" panose="02020603050405020304" pitchFamily="18" charset="0"/>
+                        <a:cs typeface="Times New Roman" panose="02020603050405020304" pitchFamily="18" charset="0"/>
+                      </a:endParaRPr>
+                    </a:p>
+                  </a:txBody>
+                  <a:tcPr marL="54938" marR="54938" marT="0" marB="0"/>
+                </a:tc>
+                <a:tc>
+                  <a:txBody>
+                    <a:bodyPr/>
+                    <a:lstStyle/>
+                    <a:p>
+                      <a:pPr marL="0" indent="0" algn="ctr">
+                        <a:lnSpc>
+                          <a:spcPct val="150000"/>
+                        </a:lnSpc>
+                        <a:spcAft>
+                          <a:spcPts val="0"/>
+                        </a:spcAft>
+                      </a:pPr>
+                      <a:r>
+                        <a:rPr lang="ru-RU" sz="1300" dirty="0" smtClean="0">
+                          <a:effectLst/>
+                        </a:rPr>
+                        <a:t>-</a:t>
+                      </a:r>
+                      <a:endParaRPr lang="ru-RU" sz="1300" dirty="0">
+                        <a:effectLst/>
+                        <a:latin typeface="Times New Roman" panose="02020603050405020304" pitchFamily="18" charset="0"/>
+                        <a:ea typeface="Times New Roman" panose="02020603050405020304" pitchFamily="18" charset="0"/>
+                        <a:cs typeface="Times New Roman" panose="02020603050405020304" pitchFamily="18" charset="0"/>
+                      </a:endParaRPr>
+                    </a:p>
+                  </a:txBody>
+                  <a:tcPr marL="54938" marR="54938" marT="0" marB="0"/>
+                </a:tc>
+                <a:tc>
+                  <a:txBody>
+                    <a:bodyPr/>
+                    <a:lstStyle/>
+                    <a:p>
+                      <a:pPr marL="0" indent="0" algn="ctr">
+                        <a:lnSpc>
+                          <a:spcPct val="150000"/>
+                        </a:lnSpc>
+                        <a:spcAft>
+                          <a:spcPts val="0"/>
+                        </a:spcAft>
+                      </a:pPr>
+                      <a:r>
+                        <a:rPr lang="en-US" sz="1300" dirty="0">
+                          <a:effectLst/>
+                        </a:rPr>
+                        <a:t> </a:t>
+                      </a:r>
+                      <a:r>
+                        <a:rPr lang="ru-RU" sz="1300" dirty="0" smtClean="0">
+                          <a:effectLst/>
+                        </a:rPr>
+                        <a:t>-</a:t>
+                      </a:r>
+                      <a:endParaRPr lang="ru-RU" sz="1300" dirty="0">
+                        <a:effectLst/>
+                        <a:latin typeface="Times New Roman" panose="02020603050405020304" pitchFamily="18" charset="0"/>
+                        <a:ea typeface="Times New Roman" panose="02020603050405020304" pitchFamily="18" charset="0"/>
+                        <a:cs typeface="Times New Roman" panose="02020603050405020304" pitchFamily="18" charset="0"/>
+                      </a:endParaRPr>
+                    </a:p>
+                  </a:txBody>
+                  <a:tcPr marL="54938" marR="54938" marT="0" marB="0"/>
+                </a:tc>
+                <a:tc>
+                  <a:txBody>
+                    <a:bodyPr/>
+                    <a:lstStyle/>
+                    <a:p>
+                      <a:pPr marL="0" indent="0" algn="ctr">
+                        <a:lnSpc>
+                          <a:spcPct val="150000"/>
+                        </a:lnSpc>
+                        <a:spcAft>
+                          <a:spcPts val="0"/>
+                        </a:spcAft>
+                      </a:pPr>
+                      <a:r>
+                        <a:rPr lang="en-US" sz="1300" dirty="0">
+                          <a:effectLst/>
+                        </a:rPr>
+                        <a:t> </a:t>
+                      </a:r>
+                      <a:r>
+                        <a:rPr lang="ru-RU" sz="1300" dirty="0" smtClean="0">
+                          <a:effectLst/>
+                        </a:rPr>
+                        <a:t>-</a:t>
+                      </a:r>
+                      <a:endParaRPr lang="ru-RU" sz="1300" dirty="0">
+                        <a:effectLst/>
+                        <a:latin typeface="Times New Roman" panose="02020603050405020304" pitchFamily="18" charset="0"/>
+                        <a:ea typeface="Times New Roman" panose="02020603050405020304" pitchFamily="18" charset="0"/>
+                        <a:cs typeface="Times New Roman" panose="02020603050405020304" pitchFamily="18" charset="0"/>
+                      </a:endParaRPr>
+                    </a:p>
+                  </a:txBody>
+                  <a:tcPr marL="54938" marR="54938" marT="0" marB="0"/>
+                </a:tc>
+                <a:tc>
+                  <a:txBody>
+                    <a:bodyPr/>
+                    <a:lstStyle/>
+                    <a:p>
+                      <a:pPr marL="0" indent="0" algn="ctr">
+                        <a:lnSpc>
+                          <a:spcPct val="150000"/>
+                        </a:lnSpc>
+                        <a:spcAft>
+                          <a:spcPts val="0"/>
+                        </a:spcAft>
+                      </a:pPr>
+                      <a:r>
+                        <a:rPr lang="en-US" sz="1300" dirty="0">
+                          <a:effectLst/>
+                        </a:rPr>
+                        <a:t> </a:t>
+                      </a:r>
+                      <a:r>
+                        <a:rPr lang="ru-RU" sz="1300" dirty="0" smtClean="0">
+                          <a:effectLst/>
+                        </a:rPr>
+                        <a:t>-</a:t>
+                      </a:r>
+                      <a:endParaRPr lang="ru-RU" sz="1300" dirty="0">
+                        <a:effectLst/>
+                        <a:latin typeface="Times New Roman" panose="02020603050405020304" pitchFamily="18" charset="0"/>
+                        <a:ea typeface="Times New Roman" panose="02020603050405020304" pitchFamily="18" charset="0"/>
+                        <a:cs typeface="Times New Roman" panose="02020603050405020304" pitchFamily="18" charset="0"/>
+                      </a:endParaRPr>
+                    </a:p>
+                  </a:txBody>
+                  <a:tcPr marL="54938" marR="54938" marT="0" marB="0"/>
+                </a:tc>
+                <a:tc>
+                  <a:txBody>
+                    <a:bodyPr/>
+                    <a:lstStyle/>
+                    <a:p>
+                      <a:pPr marL="0" indent="0" algn="l">
+                        <a:lnSpc>
+                          <a:spcPct val="150000"/>
+                        </a:lnSpc>
+                        <a:spcAft>
+                          <a:spcPts val="0"/>
+                        </a:spcAft>
+                      </a:pPr>
+                      <a:r>
+                        <a:rPr lang="ru-RU" sz="1300" dirty="0" smtClean="0">
+                          <a:effectLst/>
+                        </a:rPr>
+                        <a:t>1786 ячеек</a:t>
+                      </a:r>
+                      <a:endParaRPr lang="ru-RU" sz="1300" dirty="0">
+                        <a:effectLst/>
+                        <a:latin typeface="Times New Roman" panose="02020603050405020304" pitchFamily="18" charset="0"/>
+                        <a:ea typeface="Times New Roman" panose="02020603050405020304" pitchFamily="18" charset="0"/>
+                        <a:cs typeface="Times New Roman" panose="02020603050405020304" pitchFamily="18" charset="0"/>
+                      </a:endParaRPr>
+                    </a:p>
+                  </a:txBody>
+                  <a:tcPr marL="54938" marR="54938" marT="0" marB="0"/>
+                </a:tc>
+                <a:tc>
+                  <a:txBody>
+                    <a:bodyPr/>
+                    <a:lstStyle/>
+                    <a:p>
+                      <a:pPr marL="0" marR="0" lvl="0" indent="0" algn="l" defTabSz="914400" rtl="0" eaLnBrk="1" fontAlgn="auto" latinLnBrk="0" hangingPunct="1">
+                        <a:lnSpc>
+                          <a:spcPct val="150000"/>
+                        </a:lnSpc>
+                        <a:spcBef>
+                          <a:spcPts val="0"/>
+                        </a:spcBef>
+                        <a:spcAft>
+                          <a:spcPts val="0"/>
+                        </a:spcAft>
+                        <a:buClrTx/>
+                        <a:buSzTx/>
+                        <a:buFontTx/>
+                        <a:buNone/>
+                        <a:tabLst/>
+                        <a:defRPr/>
+                      </a:pPr>
+                      <a:r>
+                        <a:rPr lang="ru-RU" sz="1300" dirty="0" smtClean="0">
                           <a:effectLst/>
                         </a:rPr>
                         <a:t>Произвольный путь</a:t>
@@ -6000,7 +6356,7 @@
                           <a:spcPts val="0"/>
                         </a:spcAft>
                       </a:pPr>
-                      <a:endParaRPr lang="ru-RU" sz="1600" dirty="0">
+                      <a:endParaRPr lang="ru-RU" sz="1300" dirty="0">
                         <a:effectLst/>
                         <a:latin typeface="Times New Roman" panose="02020603050405020304" pitchFamily="18" charset="0"/>
                         <a:ea typeface="Times New Roman" panose="02020603050405020304" pitchFamily="18" charset="0"/>
@@ -6008,7 +6364,7 @@
                       </a:endParaRPr>
                     </a:p>
                   </a:txBody>
-                  <a:tcPr marL="66602" marR="66602" marT="0" marB="0"/>
+                  <a:tcPr marL="54938" marR="54938" marT="0" marB="0"/>
                 </a:tc>
               </a:tr>
             </a:tbl>
@@ -6035,6 +6391,56 @@
               <a:t>4</a:t>
             </a:fld>
             <a:endParaRPr lang="ru-RU"/>
+          </a:p>
+        </p:txBody>
+      </p:sp>
+      <p:sp>
+        <p:nvSpPr>
+          <p:cNvPr id="5" name="TextBox 4"/>
+          <p:cNvSpPr txBox="1"/>
+          <p:nvPr/>
+        </p:nvSpPr>
+        <p:spPr>
+          <a:xfrm>
+            <a:off x="338258" y="5615582"/>
+            <a:ext cx="4754507" cy="923330"/>
+          </a:xfrm>
+          <a:prstGeom prst="rect">
+            <a:avLst/>
+          </a:prstGeom>
+          <a:noFill/>
+        </p:spPr>
+        <p:txBody>
+          <a:bodyPr wrap="none" rtlCol="0">
+            <a:spAutoFit/>
+          </a:bodyPr>
+          <a:lstStyle/>
+          <a:p>
+            <a:r>
+              <a:rPr lang="ru-RU" dirty="0" smtClean="0"/>
+              <a:t>Критерии выбора:</a:t>
+            </a:r>
+          </a:p>
+          <a:p>
+            <a:pPr marL="285750" indent="-285750">
+              <a:buFont typeface="Arial" panose="020B0604020202020204" pitchFamily="34" charset="0"/>
+              <a:buChar char="•"/>
+            </a:pPr>
+            <a:r>
+              <a:rPr lang="ru-RU" dirty="0" smtClean="0"/>
+              <a:t>Количество рассматриваемых ячеек</a:t>
+            </a:r>
+          </a:p>
+          <a:p>
+            <a:pPr marL="285750" indent="-285750">
+              <a:buFont typeface="Arial" panose="020B0604020202020204" pitchFamily="34" charset="0"/>
+              <a:buChar char="•"/>
+            </a:pPr>
+            <a:r>
+              <a:rPr lang="ru-RU" dirty="0" smtClean="0"/>
+              <a:t>Точность (отклонение от кратчайшего пути)</a:t>
+            </a:r>
+            <a:endParaRPr lang="ru-RU" dirty="0"/>
           </a:p>
         </p:txBody>
       </p:sp>
@@ -6893,7 +7299,7 @@
         </p:nvSpPr>
         <p:spPr>
           <a:xfrm>
-            <a:off x="5140518" y="4570182"/>
+            <a:off x="5115687" y="4579706"/>
             <a:ext cx="2011519" cy="624689"/>
           </a:xfrm>
           <a:prstGeom prst="rightArrow">
@@ -7085,7 +7491,7 @@
         </p:nvSpPr>
         <p:spPr>
           <a:xfrm>
-            <a:off x="6182756" y="1225903"/>
+            <a:off x="6182244" y="1107102"/>
             <a:ext cx="319679" cy="438761"/>
           </a:xfrm>
           <a:prstGeom prst="downArrow">
@@ -7685,15 +8091,7 @@
                   <a:schemeClr val="tx1"/>
                 </a:solidFill>
               </a:rPr>
-              <a:t>List&lt;Vector2Int</a:t>
-            </a:r>
-            <a:r>
-              <a:rPr lang="en-US" dirty="0" smtClean="0">
-                <a:solidFill>
-                  <a:schemeClr val="tx1"/>
-                </a:solidFill>
-              </a:rPr>
-              <a:t>&gt;</a:t>
+              <a:t>List&lt;Vector2Int&gt;</a:t>
             </a:r>
             <a:r>
               <a:rPr lang="ru-RU" dirty="0" smtClean="0">
